--- a/Mutual Fund.pptx
+++ b/Mutual Fund.pptx
@@ -5,7 +5,7 @@
     <p:sldMasterId id="2147483648" r:id="rId1"/>
   </p:sldMasterIdLst>
   <p:notesMasterIdLst>
-    <p:notesMasterId r:id="rId14"/>
+    <p:notesMasterId r:id="rId16"/>
   </p:notesMasterIdLst>
   <p:sldIdLst>
     <p:sldId id="260" r:id="rId2"/>
@@ -14,12 +14,14 @@
     <p:sldId id="256" r:id="rId5"/>
     <p:sldId id="257" r:id="rId6"/>
     <p:sldId id="258" r:id="rId7"/>
-    <p:sldId id="259" r:id="rId8"/>
-    <p:sldId id="264" r:id="rId9"/>
-    <p:sldId id="265" r:id="rId10"/>
-    <p:sldId id="266" r:id="rId11"/>
-    <p:sldId id="267" r:id="rId12"/>
-    <p:sldId id="262" r:id="rId13"/>
+    <p:sldId id="268" r:id="rId8"/>
+    <p:sldId id="269" r:id="rId9"/>
+    <p:sldId id="259" r:id="rId10"/>
+    <p:sldId id="264" r:id="rId11"/>
+    <p:sldId id="265" r:id="rId12"/>
+    <p:sldId id="266" r:id="rId13"/>
+    <p:sldId id="267" r:id="rId14"/>
+    <p:sldId id="262" r:id="rId15"/>
   </p:sldIdLst>
   <p:sldSz cx="12192000" cy="6858000"/>
   <p:notesSz cx="6858000" cy="9144000"/>
@@ -118,6 +120,11 @@
       </a:defRPr>
     </a:lvl9pPr>
   </p:defaultTextStyle>
+  <p:extLst>
+    <p:ext uri="{EFAFB233-063F-42B5-8137-9DF3F51BA10A}">
+      <p15:sldGuideLst xmlns:p15="http://schemas.microsoft.com/office/powerpoint/2012/main"/>
+    </p:ext>
+  </p:extLst>
 </p:presentation>
 </file>
 
@@ -203,7 +210,7 @@
           <a:p>
             <a:fld id="{5D1219AE-FC78-4BBD-9F14-DACA67C040BA}" type="datetimeFigureOut">
               <a:rPr lang="en-IN" smtClean="0"/>
-              <a:t>04-10-2025</a:t>
+              <a:t>23-11-2025</a:t>
             </a:fld>
             <a:endParaRPr lang="en-IN"/>
           </a:p>
@@ -686,7 +693,7 @@
           <a:p>
             <a:fld id="{FB8CF0BC-5554-4B26-B2EC-47006BA429F0}" type="datetime1">
               <a:rPr lang="en-IN" smtClean="0"/>
-              <a:t>04-10-2025</a:t>
+              <a:t>23-11-2025</a:t>
             </a:fld>
             <a:endParaRPr lang="en-IN"/>
           </a:p>
@@ -860,7 +867,7 @@
           <a:p>
             <a:fld id="{78CE7C12-1AF5-4A33-817C-EB56A511E0B5}" type="datetime1">
               <a:rPr lang="en-IN" smtClean="0"/>
-              <a:t>04-10-2025</a:t>
+              <a:t>23-11-2025</a:t>
             </a:fld>
             <a:endParaRPr lang="en-IN"/>
           </a:p>
@@ -1044,7 +1051,7 @@
           <a:p>
             <a:fld id="{67BCC667-D9B3-45A2-BE23-0496F1B8E02C}" type="datetime1">
               <a:rPr lang="en-IN" smtClean="0"/>
-              <a:t>04-10-2025</a:t>
+              <a:t>23-11-2025</a:t>
             </a:fld>
             <a:endParaRPr lang="en-IN"/>
           </a:p>
@@ -1218,7 +1225,7 @@
           <a:p>
             <a:fld id="{B0B9A693-82B4-46FF-9209-02989CEF1FF1}" type="datetime1">
               <a:rPr lang="en-IN" smtClean="0"/>
-              <a:t>04-10-2025</a:t>
+              <a:t>23-11-2025</a:t>
             </a:fld>
             <a:endParaRPr lang="en-IN"/>
           </a:p>
@@ -1468,7 +1475,7 @@
           <a:p>
             <a:fld id="{CB94AA2F-EA3B-4184-88DB-915A71AFA41A}" type="datetime1">
               <a:rPr lang="en-IN" smtClean="0"/>
-              <a:t>04-10-2025</a:t>
+              <a:t>23-11-2025</a:t>
             </a:fld>
             <a:endParaRPr lang="en-IN"/>
           </a:p>
@@ -1704,7 +1711,7 @@
           <a:p>
             <a:fld id="{3E6E9361-9A57-48B2-9A9E-9E7443FBCEE1}" type="datetime1">
               <a:rPr lang="en-IN" smtClean="0"/>
-              <a:t>04-10-2025</a:t>
+              <a:t>23-11-2025</a:t>
             </a:fld>
             <a:endParaRPr lang="en-IN"/>
           </a:p>
@@ -2075,7 +2082,7 @@
           <a:p>
             <a:fld id="{84299E35-AE75-4646-90A4-FCE9568A93D6}" type="datetime1">
               <a:rPr lang="en-IN" smtClean="0"/>
-              <a:t>04-10-2025</a:t>
+              <a:t>23-11-2025</a:t>
             </a:fld>
             <a:endParaRPr lang="en-IN"/>
           </a:p>
@@ -2197,7 +2204,7 @@
           <a:p>
             <a:fld id="{B8721071-CAB9-40CE-BD98-0662E14D21CD}" type="datetime1">
               <a:rPr lang="en-IN" smtClean="0"/>
-              <a:t>04-10-2025</a:t>
+              <a:t>23-11-2025</a:t>
             </a:fld>
             <a:endParaRPr lang="en-IN"/>
           </a:p>
@@ -2296,7 +2303,7 @@
           <a:p>
             <a:fld id="{D6CE2C04-C1CC-4672-A89F-29EAB5537B1A}" type="datetime1">
               <a:rPr lang="en-IN" smtClean="0"/>
-              <a:t>04-10-2025</a:t>
+              <a:t>23-11-2025</a:t>
             </a:fld>
             <a:endParaRPr lang="en-IN"/>
           </a:p>
@@ -2577,7 +2584,7 @@
           <a:p>
             <a:fld id="{FAB8E869-DC77-4ABB-92C0-E300510314EC}" type="datetime1">
               <a:rPr lang="en-IN" smtClean="0"/>
-              <a:t>04-10-2025</a:t>
+              <a:t>23-11-2025</a:t>
             </a:fld>
             <a:endParaRPr lang="en-IN"/>
           </a:p>
@@ -2834,7 +2841,7 @@
           <a:p>
             <a:fld id="{164F11C4-6BC1-4FFB-AA8B-EA14D9C9CBCE}" type="datetime1">
               <a:rPr lang="en-IN" smtClean="0"/>
-              <a:t>04-10-2025</a:t>
+              <a:t>23-11-2025</a:t>
             </a:fld>
             <a:endParaRPr lang="en-IN"/>
           </a:p>
@@ -3051,7 +3058,7 @@
           <a:p>
             <a:fld id="{39EE36DA-4152-48E5-9666-8F310E8C37C6}" type="datetime1">
               <a:rPr lang="en-IN" smtClean="0"/>
-              <a:t>04-10-2025</a:t>
+              <a:t>23-11-2025</a:t>
             </a:fld>
             <a:endParaRPr lang="en-IN"/>
           </a:p>
@@ -3469,8 +3476,8 @@
         </p:nvSpPr>
         <p:spPr>
           <a:xfrm>
-            <a:off x="2028449" y="897347"/>
-            <a:ext cx="8461420" cy="1057386"/>
+            <a:off x="643943" y="895748"/>
+            <a:ext cx="11281894" cy="708380"/>
           </a:xfrm>
           <a:prstGeom prst="rect">
             <a:avLst/>
@@ -4168,8 +4175,8 @@
         </p:nvSpPr>
         <p:spPr>
           <a:xfrm>
-            <a:off x="4379381" y="217088"/>
-            <a:ext cx="2550809" cy="506085"/>
+            <a:off x="2434367" y="115359"/>
+            <a:ext cx="7147211" cy="506085"/>
           </a:xfrm>
           <a:prstGeom prst="rect">
             <a:avLst/>
@@ -4218,6 +4225,16 @@
                 <a:cs typeface="Roboto"/>
               </a:rPr>
               <a:t>Fund</a:t>
+            </a:r>
+            <a:r>
+              <a:rPr lang="en-US" sz="3200" b="1" dirty="0" smtClean="0">
+                <a:solidFill>
+                  <a:srgbClr val="474747"/>
+                </a:solidFill>
+                <a:latin typeface="Roboto"/>
+                <a:cs typeface="Roboto"/>
+              </a:rPr>
+              <a:t> Investment in India</a:t>
             </a:r>
             <a:endParaRPr sz="3200" dirty="0">
               <a:latin typeface="Roboto"/>
@@ -7728,7 +7745,12 @@
             <p:ph type="ftr" sz="quarter" idx="11"/>
           </p:nvPr>
         </p:nvSpPr>
-        <p:spPr/>
+        <p:spPr>
+          <a:xfrm>
+            <a:off x="257382" y="6466629"/>
+            <a:ext cx="4114800" cy="365125"/>
+          </a:xfrm>
+        </p:spPr>
         <p:txBody>
           <a:bodyPr/>
           <a:lstStyle/>
@@ -7755,6 +7777,483 @@
 </file>
 
 <file path=ppt/slides/slide10.xml><?xml version="1.0" encoding="utf-8"?>
+<p:sld xmlns:a="http://schemas.openxmlformats.org/drawingml/2006/main" xmlns:r="http://schemas.openxmlformats.org/officeDocument/2006/relationships" xmlns:p="http://schemas.openxmlformats.org/presentationml/2006/main">
+  <p:cSld>
+    <p:spTree>
+      <p:nvGrpSpPr>
+        <p:cNvPr id="1" name=""/>
+        <p:cNvGrpSpPr/>
+        <p:nvPr/>
+      </p:nvGrpSpPr>
+      <p:grpSpPr>
+        <a:xfrm>
+          <a:off x="0" y="0"/>
+          <a:ext cx="0" cy="0"/>
+          <a:chOff x="0" y="0"/>
+          <a:chExt cx="0" cy="0"/>
+        </a:xfrm>
+      </p:grpSpPr>
+      <p:pic>
+        <p:nvPicPr>
+          <p:cNvPr id="4" name="Picture 3"/>
+          <p:cNvPicPr>
+            <a:picLocks noChangeAspect="1"/>
+          </p:cNvPicPr>
+          <p:nvPr/>
+        </p:nvPicPr>
+        <p:blipFill>
+          <a:blip r:embed="rId2"/>
+          <a:stretch>
+            <a:fillRect/>
+          </a:stretch>
+        </p:blipFill>
+        <p:spPr>
+          <a:xfrm>
+            <a:off x="832901" y="0"/>
+            <a:ext cx="9650502" cy="2367305"/>
+          </a:xfrm>
+          <a:prstGeom prst="rect">
+            <a:avLst/>
+          </a:prstGeom>
+        </p:spPr>
+      </p:pic>
+      <p:pic>
+        <p:nvPicPr>
+          <p:cNvPr id="5" name="Picture 4"/>
+          <p:cNvPicPr>
+            <a:picLocks noChangeAspect="1"/>
+          </p:cNvPicPr>
+          <p:nvPr/>
+        </p:nvPicPr>
+        <p:blipFill>
+          <a:blip r:embed="rId3"/>
+          <a:stretch>
+            <a:fillRect/>
+          </a:stretch>
+        </p:blipFill>
+        <p:spPr>
+          <a:xfrm>
+            <a:off x="832901" y="3376955"/>
+            <a:ext cx="9830806" cy="2432820"/>
+          </a:xfrm>
+          <a:prstGeom prst="rect">
+            <a:avLst/>
+          </a:prstGeom>
+        </p:spPr>
+      </p:pic>
+      <p:pic>
+        <p:nvPicPr>
+          <p:cNvPr id="8" name="Picture 7"/>
+          <p:cNvPicPr>
+            <a:picLocks noChangeAspect="1"/>
+          </p:cNvPicPr>
+          <p:nvPr/>
+        </p:nvPicPr>
+        <p:blipFill>
+          <a:blip r:embed="rId4"/>
+          <a:stretch>
+            <a:fillRect/>
+          </a:stretch>
+        </p:blipFill>
+        <p:spPr>
+          <a:xfrm>
+            <a:off x="1021053" y="5778204"/>
+            <a:ext cx="7677150" cy="962025"/>
+          </a:xfrm>
+          <a:prstGeom prst="rect">
+            <a:avLst/>
+          </a:prstGeom>
+        </p:spPr>
+      </p:pic>
+      <p:pic>
+        <p:nvPicPr>
+          <p:cNvPr id="9" name="Picture 8"/>
+          <p:cNvPicPr>
+            <a:picLocks noChangeAspect="1"/>
+          </p:cNvPicPr>
+          <p:nvPr/>
+        </p:nvPicPr>
+        <p:blipFill>
+          <a:blip r:embed="rId5"/>
+          <a:stretch>
+            <a:fillRect/>
+          </a:stretch>
+        </p:blipFill>
+        <p:spPr>
+          <a:xfrm>
+            <a:off x="1021053" y="2367305"/>
+            <a:ext cx="7562850" cy="914400"/>
+          </a:xfrm>
+          <a:prstGeom prst="rect">
+            <a:avLst/>
+          </a:prstGeom>
+        </p:spPr>
+      </p:pic>
+      <p:sp>
+        <p:nvSpPr>
+          <p:cNvPr id="11" name="Footer Placeholder 10"/>
+          <p:cNvSpPr>
+            <a:spLocks noGrp="1"/>
+          </p:cNvSpPr>
+          <p:nvPr>
+            <p:ph type="ftr" sz="quarter" idx="11"/>
+          </p:nvPr>
+        </p:nvSpPr>
+        <p:spPr>
+          <a:xfrm>
+            <a:off x="8583903" y="6454300"/>
+            <a:ext cx="4114800" cy="365125"/>
+          </a:xfrm>
+        </p:spPr>
+        <p:txBody>
+          <a:bodyPr/>
+          <a:lstStyle/>
+          <a:p>
+            <a:r>
+              <a:rPr lang="en-IN" dirty="0" smtClean="0"/>
+              <a:t>MOHAN SUNDARAM</a:t>
+            </a:r>
+            <a:endParaRPr lang="en-IN" dirty="0"/>
+          </a:p>
+        </p:txBody>
+      </p:sp>
+      <p:sp>
+        <p:nvSpPr>
+          <p:cNvPr id="2" name="Rectangle 1"/>
+          <p:cNvSpPr/>
+          <p:nvPr/>
+        </p:nvSpPr>
+        <p:spPr>
+          <a:xfrm>
+            <a:off x="10483403" y="101889"/>
+            <a:ext cx="1563570" cy="461665"/>
+          </a:xfrm>
+          <a:prstGeom prst="rect">
+            <a:avLst/>
+          </a:prstGeom>
+        </p:spPr>
+        <p:txBody>
+          <a:bodyPr wrap="none">
+            <a:spAutoFit/>
+          </a:bodyPr>
+          <a:lstStyle/>
+          <a:p>
+            <a:r>
+              <a:rPr lang="en-IN" sz="2400" b="1" dirty="0" smtClean="0"/>
+              <a:t>Continue…</a:t>
+            </a:r>
+            <a:endParaRPr lang="en-IN" sz="2400" b="1" dirty="0"/>
+          </a:p>
+        </p:txBody>
+      </p:sp>
+    </p:spTree>
+    <p:extLst>
+      <p:ext uri="{BB962C8B-B14F-4D97-AF65-F5344CB8AC3E}">
+        <p14:creationId xmlns:p14="http://schemas.microsoft.com/office/powerpoint/2010/main" val="2643923191"/>
+      </p:ext>
+    </p:extLst>
+  </p:cSld>
+  <p:clrMapOvr>
+    <a:masterClrMapping/>
+  </p:clrMapOvr>
+</p:sld>
+</file>
+
+<file path=ppt/slides/slide11.xml><?xml version="1.0" encoding="utf-8"?>
+<p:sld xmlns:a="http://schemas.openxmlformats.org/drawingml/2006/main" xmlns:r="http://schemas.openxmlformats.org/officeDocument/2006/relationships" xmlns:p="http://schemas.openxmlformats.org/presentationml/2006/main">
+  <p:cSld>
+    <p:spTree>
+      <p:nvGrpSpPr>
+        <p:cNvPr id="1" name=""/>
+        <p:cNvGrpSpPr/>
+        <p:nvPr/>
+      </p:nvGrpSpPr>
+      <p:grpSpPr>
+        <a:xfrm>
+          <a:off x="0" y="0"/>
+          <a:ext cx="0" cy="0"/>
+          <a:chOff x="0" y="0"/>
+          <a:chExt cx="0" cy="0"/>
+        </a:xfrm>
+      </p:grpSpPr>
+      <p:pic>
+        <p:nvPicPr>
+          <p:cNvPr id="7" name="Picture 6"/>
+          <p:cNvPicPr>
+            <a:picLocks noChangeAspect="1"/>
+          </p:cNvPicPr>
+          <p:nvPr/>
+        </p:nvPicPr>
+        <p:blipFill>
+          <a:blip r:embed="rId2"/>
+          <a:stretch>
+            <a:fillRect/>
+          </a:stretch>
+        </p:blipFill>
+        <p:spPr>
+          <a:xfrm>
+            <a:off x="6229551" y="1060427"/>
+            <a:ext cx="5749282" cy="4821328"/>
+          </a:xfrm>
+          <a:prstGeom prst="rect">
+            <a:avLst/>
+          </a:prstGeom>
+        </p:spPr>
+      </p:pic>
+      <p:pic>
+        <p:nvPicPr>
+          <p:cNvPr id="8" name="Picture 7"/>
+          <p:cNvPicPr>
+            <a:picLocks noChangeAspect="1"/>
+          </p:cNvPicPr>
+          <p:nvPr/>
+        </p:nvPicPr>
+        <p:blipFill>
+          <a:blip r:embed="rId3"/>
+          <a:stretch>
+            <a:fillRect/>
+          </a:stretch>
+        </p:blipFill>
+        <p:spPr>
+          <a:xfrm>
+            <a:off x="414537" y="1131320"/>
+            <a:ext cx="5815014" cy="4750435"/>
+          </a:xfrm>
+          <a:prstGeom prst="rect">
+            <a:avLst/>
+          </a:prstGeom>
+        </p:spPr>
+      </p:pic>
+      <p:sp>
+        <p:nvSpPr>
+          <p:cNvPr id="9" name="object 26"/>
+          <p:cNvSpPr txBox="1">
+            <a:spLocks noGrp="1"/>
+          </p:cNvSpPr>
+          <p:nvPr>
+            <p:ph type="title"/>
+          </p:nvPr>
+        </p:nvSpPr>
+        <p:spPr>
+          <a:xfrm>
+            <a:off x="587107" y="192842"/>
+            <a:ext cx="3714481" cy="630287"/>
+          </a:xfrm>
+          <a:prstGeom prst="rect">
+            <a:avLst/>
+          </a:prstGeom>
+        </p:spPr>
+        <p:txBody>
+          <a:bodyPr vert="horz" wrap="square" lIns="0" tIns="14591" rIns="0" bIns="0" rtlCol="0" anchor="ctr">
+            <a:spAutoFit/>
+          </a:bodyPr>
+          <a:lstStyle/>
+          <a:p>
+            <a:pPr marL="10809">
+              <a:lnSpc>
+                <a:spcPct val="100000"/>
+              </a:lnSpc>
+              <a:spcBef>
+                <a:spcPts val="115"/>
+              </a:spcBef>
+            </a:pPr>
+            <a:r>
+              <a:rPr lang="en-US" sz="2000" b="1" dirty="0" smtClean="0">
+                <a:solidFill>
+                  <a:srgbClr val="474747"/>
+                </a:solidFill>
+                <a:latin typeface="Roboto"/>
+                <a:cs typeface="Roboto"/>
+              </a:rPr>
+              <a:t>Regular Growth SIP CAGR Return</a:t>
+            </a:r>
+            <a:endParaRPr sz="2000" dirty="0">
+              <a:latin typeface="Roboto"/>
+              <a:cs typeface="Roboto"/>
+            </a:endParaRPr>
+          </a:p>
+        </p:txBody>
+      </p:sp>
+      <p:sp>
+        <p:nvSpPr>
+          <p:cNvPr id="10" name="object 26"/>
+          <p:cNvSpPr txBox="1">
+            <a:spLocks/>
+          </p:cNvSpPr>
+          <p:nvPr/>
+        </p:nvSpPr>
+        <p:spPr>
+          <a:xfrm>
+            <a:off x="6229551" y="192842"/>
+            <a:ext cx="3477295" cy="630287"/>
+          </a:xfrm>
+          <a:prstGeom prst="rect">
+            <a:avLst/>
+          </a:prstGeom>
+        </p:spPr>
+        <p:txBody>
+          <a:bodyPr vert="horz" wrap="square" lIns="0" tIns="14591" rIns="0" bIns="0" rtlCol="0" anchor="ctr">
+            <a:spAutoFit/>
+          </a:bodyPr>
+          <a:lstStyle>
+            <a:lvl1pPr algn="l" defTabSz="914400" rtl="0" eaLnBrk="1" latinLnBrk="0" hangingPunct="1">
+              <a:lnSpc>
+                <a:spcPct val="90000"/>
+              </a:lnSpc>
+              <a:spcBef>
+                <a:spcPct val="0"/>
+              </a:spcBef>
+              <a:buNone/>
+              <a:defRPr sz="4400" kern="1200">
+                <a:solidFill>
+                  <a:schemeClr val="tx1"/>
+                </a:solidFill>
+                <a:latin typeface="+mj-lt"/>
+                <a:ea typeface="+mj-ea"/>
+                <a:cs typeface="+mj-cs"/>
+              </a:defRPr>
+            </a:lvl1pPr>
+          </a:lstStyle>
+          <a:p>
+            <a:pPr marL="10809">
+              <a:lnSpc>
+                <a:spcPct val="100000"/>
+              </a:lnSpc>
+              <a:spcBef>
+                <a:spcPts val="115"/>
+              </a:spcBef>
+            </a:pPr>
+            <a:r>
+              <a:rPr lang="en-US" sz="2000" b="1" dirty="0" smtClean="0">
+                <a:solidFill>
+                  <a:srgbClr val="474747"/>
+                </a:solidFill>
+                <a:latin typeface="Roboto"/>
+                <a:cs typeface="Roboto"/>
+              </a:rPr>
+              <a:t>Direct Growth SIP CAGR Higher Return </a:t>
+            </a:r>
+            <a:r>
+              <a:rPr lang="en-US" sz="2000" b="1" dirty="0" smtClean="0">
+                <a:solidFill>
+                  <a:srgbClr val="00B050"/>
+                </a:solidFill>
+                <a:latin typeface="Roboto"/>
+                <a:cs typeface="Roboto"/>
+              </a:rPr>
+              <a:t>1,83,42,480</a:t>
+            </a:r>
+            <a:endParaRPr lang="en-US" sz="2000" dirty="0">
+              <a:solidFill>
+                <a:srgbClr val="00B050"/>
+              </a:solidFill>
+              <a:latin typeface="Roboto"/>
+              <a:cs typeface="Roboto"/>
+            </a:endParaRPr>
+          </a:p>
+        </p:txBody>
+      </p:sp>
+      <p:sp>
+        <p:nvSpPr>
+          <p:cNvPr id="11" name="Rectangle 10"/>
+          <p:cNvSpPr/>
+          <p:nvPr/>
+        </p:nvSpPr>
+        <p:spPr>
+          <a:xfrm>
+            <a:off x="358175" y="6296627"/>
+            <a:ext cx="3589188" cy="307777"/>
+          </a:xfrm>
+          <a:prstGeom prst="rect">
+            <a:avLst/>
+          </a:prstGeom>
+        </p:spPr>
+        <p:txBody>
+          <a:bodyPr wrap="none">
+            <a:spAutoFit/>
+          </a:bodyPr>
+          <a:lstStyle/>
+          <a:p>
+            <a:r>
+              <a:rPr lang="en-US" sz="1400" b="1" i="0" dirty="0" smtClean="0">
+                <a:solidFill>
+                  <a:srgbClr val="001D35"/>
+                </a:solidFill>
+                <a:effectLst/>
+                <a:latin typeface="Google Sans"/>
+              </a:rPr>
+              <a:t>Compound Annual Growth Rate (CAGR)</a:t>
+            </a:r>
+            <a:endParaRPr lang="en-IN" sz="1400" b="1" dirty="0"/>
+          </a:p>
+        </p:txBody>
+      </p:sp>
+      <p:sp>
+        <p:nvSpPr>
+          <p:cNvPr id="12" name="Footer Placeholder 11"/>
+          <p:cNvSpPr>
+            <a:spLocks noGrp="1"/>
+          </p:cNvSpPr>
+          <p:nvPr>
+            <p:ph type="ftr" sz="quarter" idx="11"/>
+          </p:nvPr>
+        </p:nvSpPr>
+        <p:spPr/>
+        <p:txBody>
+          <a:bodyPr/>
+          <a:lstStyle/>
+          <a:p>
+            <a:r>
+              <a:rPr lang="en-IN" smtClean="0"/>
+              <a:t>MOHAN SUNDARAM</a:t>
+            </a:r>
+            <a:endParaRPr lang="en-IN"/>
+          </a:p>
+        </p:txBody>
+      </p:sp>
+      <p:sp>
+        <p:nvSpPr>
+          <p:cNvPr id="13" name="Rectangle 12"/>
+          <p:cNvSpPr/>
+          <p:nvPr/>
+        </p:nvSpPr>
+        <p:spPr>
+          <a:xfrm>
+            <a:off x="10628430" y="102305"/>
+            <a:ext cx="1563570" cy="461665"/>
+          </a:xfrm>
+          <a:prstGeom prst="rect">
+            <a:avLst/>
+          </a:prstGeom>
+        </p:spPr>
+        <p:txBody>
+          <a:bodyPr wrap="none">
+            <a:spAutoFit/>
+          </a:bodyPr>
+          <a:lstStyle/>
+          <a:p>
+            <a:r>
+              <a:rPr lang="en-IN" sz="2400" b="1" dirty="0" smtClean="0"/>
+              <a:t>Continue…</a:t>
+            </a:r>
+            <a:endParaRPr lang="en-IN" sz="2400" b="1" dirty="0"/>
+          </a:p>
+        </p:txBody>
+      </p:sp>
+    </p:spTree>
+    <p:extLst>
+      <p:ext uri="{BB962C8B-B14F-4D97-AF65-F5344CB8AC3E}">
+        <p14:creationId xmlns:p14="http://schemas.microsoft.com/office/powerpoint/2010/main" val="1159096532"/>
+      </p:ext>
+    </p:extLst>
+  </p:cSld>
+  <p:clrMapOvr>
+    <a:masterClrMapping/>
+  </p:clrMapOvr>
+</p:sld>
+</file>
+
+<file path=ppt/slides/slide12.xml><?xml version="1.0" encoding="utf-8"?>
 <p:sld xmlns:a="http://schemas.openxmlformats.org/drawingml/2006/main" xmlns:r="http://schemas.openxmlformats.org/officeDocument/2006/relationships" xmlns:p="http://schemas.openxmlformats.org/presentationml/2006/main">
   <p:cSld>
     <p:spTree>
@@ -7895,6 +8394,35 @@
           </a:p>
         </p:txBody>
       </p:sp>
+      <p:sp>
+        <p:nvSpPr>
+          <p:cNvPr id="10" name="Rectangle 9"/>
+          <p:cNvSpPr/>
+          <p:nvPr/>
+        </p:nvSpPr>
+        <p:spPr>
+          <a:xfrm>
+            <a:off x="10941072" y="140942"/>
+            <a:ext cx="1213281" cy="369332"/>
+          </a:xfrm>
+          <a:prstGeom prst="rect">
+            <a:avLst/>
+          </a:prstGeom>
+        </p:spPr>
+        <p:txBody>
+          <a:bodyPr wrap="none">
+            <a:spAutoFit/>
+          </a:bodyPr>
+          <a:lstStyle/>
+          <a:p>
+            <a:r>
+              <a:rPr lang="en-IN" b="1" dirty="0" smtClean="0"/>
+              <a:t>Continue…</a:t>
+            </a:r>
+            <a:endParaRPr lang="en-IN" b="1" dirty="0"/>
+          </a:p>
+        </p:txBody>
+      </p:sp>
     </p:spTree>
     <p:extLst>
       <p:ext uri="{BB962C8B-B14F-4D97-AF65-F5344CB8AC3E}">
@@ -7908,7 +8436,7 @@
 </p:sld>
 </file>
 
-<file path=ppt/slides/slide11.xml><?xml version="1.0" encoding="utf-8"?>
+<file path=ppt/slides/slide13.xml><?xml version="1.0" encoding="utf-8"?>
 <p:sld xmlns:a="http://schemas.openxmlformats.org/drawingml/2006/main" xmlns:r="http://schemas.openxmlformats.org/officeDocument/2006/relationships" xmlns:p="http://schemas.openxmlformats.org/presentationml/2006/main">
   <p:cSld>
     <p:spTree>
@@ -8532,7 +9060,7 @@
 </p:sld>
 </file>
 
-<file path=ppt/slides/slide12.xml><?xml version="1.0" encoding="utf-8"?>
+<file path=ppt/slides/slide14.xml><?xml version="1.0" encoding="utf-8"?>
 <p:sld xmlns:a="http://schemas.openxmlformats.org/drawingml/2006/main" xmlns:r="http://schemas.openxmlformats.org/officeDocument/2006/relationships" xmlns:p="http://schemas.openxmlformats.org/presentationml/2006/main">
   <p:cSld>
     <p:spTree>
@@ -17285,7 +17813,7 @@
         </p:nvSpPr>
         <p:spPr>
           <a:xfrm>
-            <a:off x="1086698" y="2760031"/>
+            <a:off x="1086698" y="2580270"/>
             <a:ext cx="6096000" cy="1036181"/>
           </a:xfrm>
           <a:prstGeom prst="rect">
@@ -17354,13 +17882,6 @@
               </a:rPr>
               <a:t>Liquid Funds ,Short Duration Funds, Long Duration Funds, Corporate Bond Funds, Gilt Funds</a:t>
             </a:r>
-            <a:endParaRPr lang="en-US" sz="1400" spc="-10" dirty="0">
-              <a:solidFill>
-                <a:srgbClr val="212121"/>
-              </a:solidFill>
-              <a:latin typeface="Tahoma"/>
-              <a:cs typeface="Tahoma"/>
-            </a:endParaRPr>
           </a:p>
         </p:txBody>
       </p:sp>
@@ -17372,7 +17893,7 @@
         </p:nvSpPr>
         <p:spPr>
           <a:xfrm>
-            <a:off x="1117401" y="3978661"/>
+            <a:off x="1086698" y="3748678"/>
             <a:ext cx="6096000" cy="1190069"/>
           </a:xfrm>
           <a:prstGeom prst="rect">
@@ -17441,13 +17962,6 @@
               </a:rPr>
               <a:t>Aggressive Hybrid Funds, Conservative Hybrid Funds, Balanced Hybrid Funds</a:t>
             </a:r>
-            <a:endParaRPr lang="en-US" sz="1400" spc="-10" dirty="0">
-              <a:solidFill>
-                <a:srgbClr val="212121"/>
-              </a:solidFill>
-              <a:latin typeface="Tahoma"/>
-              <a:cs typeface="Tahoma"/>
-            </a:endParaRPr>
           </a:p>
         </p:txBody>
       </p:sp>
@@ -17459,8 +17973,8 @@
         </p:nvSpPr>
         <p:spPr>
           <a:xfrm>
-            <a:off x="1086698" y="5232472"/>
-            <a:ext cx="6096000" cy="1102866"/>
+            <a:off x="1086698" y="5080528"/>
+            <a:ext cx="6096000" cy="1405513"/>
           </a:xfrm>
           <a:prstGeom prst="rect">
             <a:avLst/>
@@ -17514,6 +18028,13 @@
               </a:rPr>
               <a:t> </a:t>
             </a:r>
+            <a:endParaRPr lang="en-US" dirty="0" smtClean="0">
+              <a:solidFill>
+                <a:srgbClr val="212121"/>
+              </a:solidFill>
+              <a:latin typeface="Tahoma"/>
+              <a:cs typeface="Tahoma"/>
+            </a:endParaRPr>
           </a:p>
           <a:p>
             <a:pPr marL="202565" indent="-189865">
@@ -17528,33 +18049,47 @@
                 <a:tab pos="202565" algn="l"/>
               </a:tabLst>
             </a:pPr>
-            <a:r>
-              <a:rPr lang="en-US" sz="1600" b="1" dirty="0">
-                <a:solidFill>
-                  <a:srgbClr val="212121"/>
-                </a:solidFill>
-                <a:latin typeface="Tahoma"/>
-                <a:cs typeface="Tahoma"/>
-              </a:rPr>
-              <a:t>Gold Funds: </a:t>
-            </a:r>
-            <a:r>
-              <a:rPr lang="en-US" sz="1400" spc="-10" dirty="0">
-                <a:solidFill>
-                  <a:srgbClr val="212121"/>
-                </a:solidFill>
-                <a:latin typeface="Tahoma"/>
-                <a:cs typeface="Tahoma"/>
-              </a:rPr>
-              <a:t>Invest in gold or gold-related instruments. hedge against inflation.</a:t>
-            </a:r>
-            <a:endParaRPr lang="en-US" sz="1400" spc="-10" dirty="0">
+            <a:endParaRPr lang="en-US" dirty="0" smtClean="0">
               <a:solidFill>
                 <a:srgbClr val="212121"/>
               </a:solidFill>
               <a:latin typeface="Tahoma"/>
               <a:cs typeface="Tahoma"/>
             </a:endParaRPr>
+          </a:p>
+          <a:p>
+            <a:pPr marL="202565" indent="-189865">
+              <a:lnSpc>
+                <a:spcPct val="100000"/>
+              </a:lnSpc>
+              <a:spcBef>
+                <a:spcPts val="215"/>
+              </a:spcBef>
+              <a:buChar char="•"/>
+              <a:tabLst>
+                <a:tab pos="202565" algn="l"/>
+              </a:tabLst>
+            </a:pPr>
+            <a:r>
+              <a:rPr lang="en-US" sz="1600" b="1" dirty="0">
+                <a:solidFill>
+                  <a:srgbClr val="212121"/>
+                </a:solidFill>
+                <a:latin typeface="Tahoma"/>
+                <a:cs typeface="Tahoma"/>
+              </a:rPr>
+              <a:t>Gold Funds: </a:t>
+            </a:r>
+            <a:r>
+              <a:rPr lang="en-US" sz="1400" spc="-10" dirty="0">
+                <a:solidFill>
+                  <a:srgbClr val="212121"/>
+                </a:solidFill>
+                <a:latin typeface="Tahoma"/>
+                <a:cs typeface="Tahoma"/>
+              </a:rPr>
+              <a:t>Invest in gold or gold-related instruments. hedge against inflation.</a:t>
+            </a:r>
           </a:p>
         </p:txBody>
       </p:sp>
@@ -17795,7 +18330,7 @@
         <p:spPr>
           <a:xfrm>
             <a:off x="283335" y="965128"/>
-            <a:ext cx="11487955" cy="2328843"/>
+            <a:ext cx="11487955" cy="2559675"/>
           </a:xfrm>
           <a:prstGeom prst="rect">
             <a:avLst/>
@@ -17816,7 +18351,7 @@
               </a:spcBef>
             </a:pPr>
             <a:r>
-              <a:rPr lang="en-US" sz="1600" b="1" dirty="0" smtClean="0">
+              <a:rPr lang="en-US" sz="2800" b="1" dirty="0" smtClean="0">
                 <a:solidFill>
                   <a:srgbClr val="00B050"/>
                 </a:solidFill>
@@ -17826,7 +18361,7 @@
               <a:t>Direct</a:t>
             </a:r>
             <a:r>
-              <a:rPr lang="en-US" sz="1600" b="1" spc="80" dirty="0" smtClean="0">
+              <a:rPr lang="en-US" sz="2800" b="1" spc="80" dirty="0" smtClean="0">
                 <a:solidFill>
                   <a:srgbClr val="00B050"/>
                 </a:solidFill>
@@ -17836,7 +18371,7 @@
               <a:t> </a:t>
             </a:r>
             <a:r>
-              <a:rPr lang="en-US" sz="1600" b="1" dirty="0" smtClean="0">
+              <a:rPr lang="en-US" sz="2800" b="1" dirty="0" smtClean="0">
                 <a:solidFill>
                   <a:srgbClr val="00B050"/>
                 </a:solidFill>
@@ -17846,7 +18381,7 @@
               <a:t>schemes</a:t>
             </a:r>
             <a:r>
-              <a:rPr lang="en-US" sz="1600" b="1" spc="85" dirty="0" smtClean="0">
+              <a:rPr lang="en-US" sz="2800" b="1" spc="85" dirty="0" smtClean="0">
                 <a:solidFill>
                   <a:srgbClr val="00B050"/>
                 </a:solidFill>
@@ -18650,7 +19185,7 @@
         <p:spPr>
           <a:xfrm>
             <a:off x="283335" y="3580327"/>
-            <a:ext cx="11629623" cy="2593659"/>
+            <a:ext cx="11629623" cy="2793714"/>
           </a:xfrm>
           <a:prstGeom prst="rect">
             <a:avLst/>
@@ -18671,7 +19206,7 @@
               </a:spcBef>
             </a:pPr>
             <a:r>
-              <a:rPr lang="en-US" sz="1600" b="1" dirty="0">
+              <a:rPr lang="en-US" sz="2800" b="1" dirty="0">
                 <a:solidFill>
                   <a:srgbClr val="C00000"/>
                 </a:solidFill>
@@ -22111,7 +22646,7 @@
         <p:spPr>
           <a:xfrm>
             <a:off x="4528042" y="505747"/>
-            <a:ext cx="3714481" cy="322510"/>
+            <a:ext cx="2542459" cy="322510"/>
           </a:xfrm>
           <a:prstGeom prst="rect">
             <a:avLst/>
@@ -27211,6 +27746,1753 @@
       </p:grpSpPr>
       <p:sp>
         <p:nvSpPr>
+          <p:cNvPr id="4" name="Footer Placeholder 3"/>
+          <p:cNvSpPr>
+            <a:spLocks noGrp="1"/>
+          </p:cNvSpPr>
+          <p:nvPr>
+            <p:ph type="ftr" sz="quarter" idx="11"/>
+          </p:nvPr>
+        </p:nvSpPr>
+        <p:spPr/>
+        <p:txBody>
+          <a:bodyPr/>
+          <a:lstStyle/>
+          <a:p>
+            <a:r>
+              <a:rPr lang="en-IN" smtClean="0"/>
+              <a:t>MOHAN SUNDARAM</a:t>
+            </a:r>
+            <a:endParaRPr lang="en-IN"/>
+          </a:p>
+        </p:txBody>
+      </p:sp>
+      <p:sp>
+        <p:nvSpPr>
+          <p:cNvPr id="5" name="Rectangle 4"/>
+          <p:cNvSpPr/>
+          <p:nvPr/>
+        </p:nvSpPr>
+        <p:spPr>
+          <a:xfrm>
+            <a:off x="457606" y="179162"/>
+            <a:ext cx="2790764" cy="461665"/>
+          </a:xfrm>
+          <a:prstGeom prst="rect">
+            <a:avLst/>
+          </a:prstGeom>
+        </p:spPr>
+        <p:txBody>
+          <a:bodyPr wrap="none">
+            <a:spAutoFit/>
+          </a:bodyPr>
+          <a:lstStyle/>
+          <a:p>
+            <a:r>
+              <a:rPr lang="en-US" sz="2400" b="1" dirty="0"/>
+              <a:t>Investment Options</a:t>
+            </a:r>
+            <a:r>
+              <a:rPr lang="en-US" sz="2400" b="1" dirty="0" smtClean="0"/>
+              <a:t>:</a:t>
+            </a:r>
+            <a:endParaRPr lang="en-IN" sz="2400" b="1" dirty="0"/>
+          </a:p>
+        </p:txBody>
+      </p:sp>
+      <p:graphicFrame>
+        <p:nvGraphicFramePr>
+          <p:cNvPr id="6" name="Table 5"/>
+          <p:cNvGraphicFramePr>
+            <a:graphicFrameLocks noGrp="1"/>
+          </p:cNvGraphicFramePr>
+          <p:nvPr>
+            <p:extLst>
+              <p:ext uri="{D42A27DB-BD31-4B8C-83A1-F6EECF244321}">
+                <p14:modId xmlns:p14="http://schemas.microsoft.com/office/powerpoint/2010/main" val="2061021203"/>
+              </p:ext>
+            </p:extLst>
+          </p:nvPr>
+        </p:nvGraphicFramePr>
+        <p:xfrm>
+          <a:off x="457604" y="930971"/>
+          <a:ext cx="11378080" cy="5060113"/>
+        </p:xfrm>
+        <a:graphic>
+          <a:graphicData uri="http://schemas.openxmlformats.org/drawingml/2006/table">
+            <a:tbl>
+              <a:tblPr/>
+              <a:tblGrid>
+                <a:gridCol w="2275616"/>
+                <a:gridCol w="2275616"/>
+                <a:gridCol w="2275616"/>
+                <a:gridCol w="2275616"/>
+                <a:gridCol w="2275616"/>
+              </a:tblGrid>
+              <a:tr h="396673">
+                <a:tc>
+                  <a:txBody>
+                    <a:bodyPr/>
+                    <a:lstStyle/>
+                    <a:p>
+                      <a:pPr algn="ctr"/>
+                      <a:r>
+                        <a:rPr lang="en-IN" sz="2000" b="1" dirty="0"/>
+                        <a:t>Option</a:t>
+                      </a:r>
+                    </a:p>
+                  </a:txBody>
+                  <a:tcPr anchor="ctr">
+                    <a:lnL>
+                      <a:noFill/>
+                    </a:lnL>
+                    <a:lnR>
+                      <a:noFill/>
+                    </a:lnR>
+                    <a:lnT>
+                      <a:noFill/>
+                    </a:lnT>
+                    <a:lnB>
+                      <a:noFill/>
+                    </a:lnB>
+                    <a:solidFill>
+                      <a:schemeClr val="accent1">
+                        <a:lumMod val="60000"/>
+                        <a:lumOff val="40000"/>
+                      </a:schemeClr>
+                    </a:solidFill>
+                  </a:tcPr>
+                </a:tc>
+                <a:tc>
+                  <a:txBody>
+                    <a:bodyPr/>
+                    <a:lstStyle/>
+                    <a:p>
+                      <a:pPr algn="ctr"/>
+                      <a:r>
+                        <a:rPr lang="en-IN" sz="2000" b="1"/>
+                        <a:t>Meaning</a:t>
+                      </a:r>
+                    </a:p>
+                  </a:txBody>
+                  <a:tcPr anchor="ctr">
+                    <a:lnL>
+                      <a:noFill/>
+                    </a:lnL>
+                    <a:lnR>
+                      <a:noFill/>
+                    </a:lnR>
+                    <a:lnT>
+                      <a:noFill/>
+                    </a:lnT>
+                    <a:lnB>
+                      <a:noFill/>
+                    </a:lnB>
+                    <a:solidFill>
+                      <a:schemeClr val="accent1">
+                        <a:lumMod val="60000"/>
+                        <a:lumOff val="40000"/>
+                      </a:schemeClr>
+                    </a:solidFill>
+                  </a:tcPr>
+                </a:tc>
+                <a:tc>
+                  <a:txBody>
+                    <a:bodyPr/>
+                    <a:lstStyle/>
+                    <a:p>
+                      <a:pPr algn="ctr"/>
+                      <a:r>
+                        <a:rPr lang="en-IN" sz="2000" b="1"/>
+                        <a:t>How Money Grows</a:t>
+                      </a:r>
+                    </a:p>
+                  </a:txBody>
+                  <a:tcPr anchor="ctr">
+                    <a:lnL>
+                      <a:noFill/>
+                    </a:lnL>
+                    <a:lnR>
+                      <a:noFill/>
+                    </a:lnR>
+                    <a:lnT>
+                      <a:noFill/>
+                    </a:lnT>
+                    <a:lnB>
+                      <a:noFill/>
+                    </a:lnB>
+                    <a:solidFill>
+                      <a:schemeClr val="accent1">
+                        <a:lumMod val="60000"/>
+                        <a:lumOff val="40000"/>
+                      </a:schemeClr>
+                    </a:solidFill>
+                  </a:tcPr>
+                </a:tc>
+                <a:tc>
+                  <a:txBody>
+                    <a:bodyPr/>
+                    <a:lstStyle/>
+                    <a:p>
+                      <a:pPr algn="ctr"/>
+                      <a:r>
+                        <a:rPr lang="en-IN" sz="2000" b="1"/>
+                        <a:t>Tax</a:t>
+                      </a:r>
+                    </a:p>
+                  </a:txBody>
+                  <a:tcPr anchor="ctr">
+                    <a:lnL>
+                      <a:noFill/>
+                    </a:lnL>
+                    <a:lnR>
+                      <a:noFill/>
+                    </a:lnR>
+                    <a:lnT>
+                      <a:noFill/>
+                    </a:lnT>
+                    <a:lnB>
+                      <a:noFill/>
+                    </a:lnB>
+                    <a:solidFill>
+                      <a:schemeClr val="accent1">
+                        <a:lumMod val="60000"/>
+                        <a:lumOff val="40000"/>
+                      </a:schemeClr>
+                    </a:solidFill>
+                  </a:tcPr>
+                </a:tc>
+                <a:tc>
+                  <a:txBody>
+                    <a:bodyPr/>
+                    <a:lstStyle/>
+                    <a:p>
+                      <a:pPr algn="ctr"/>
+                      <a:r>
+                        <a:rPr lang="en-IN" sz="2000" b="1" dirty="0"/>
+                        <a:t>Best For</a:t>
+                      </a:r>
+                    </a:p>
+                  </a:txBody>
+                  <a:tcPr anchor="ctr">
+                    <a:lnL>
+                      <a:noFill/>
+                    </a:lnL>
+                    <a:lnR>
+                      <a:noFill/>
+                    </a:lnR>
+                    <a:lnT>
+                      <a:noFill/>
+                    </a:lnT>
+                    <a:lnB>
+                      <a:noFill/>
+                    </a:lnB>
+                    <a:solidFill>
+                      <a:schemeClr val="accent1">
+                        <a:lumMod val="60000"/>
+                        <a:lumOff val="40000"/>
+                      </a:schemeClr>
+                    </a:solidFill>
+                  </a:tcPr>
+                </a:tc>
+              </a:tr>
+              <a:tr h="1462285">
+                <a:tc>
+                  <a:txBody>
+                    <a:bodyPr/>
+                    <a:lstStyle/>
+                    <a:p>
+                      <a:pPr algn="ctr"/>
+                      <a:r>
+                        <a:rPr lang="en-IN" b="1" dirty="0" smtClean="0"/>
+                        <a:t>Growth</a:t>
+                      </a:r>
+                    </a:p>
+                    <a:p>
+                      <a:pPr algn="ctr"/>
+                      <a:r>
+                        <a:rPr lang="en-US" b="1" dirty="0" smtClean="0">
+                          <a:solidFill>
+                            <a:schemeClr val="bg1"/>
+                          </a:solidFill>
+                        </a:rPr>
+                        <a:t>(</a:t>
+                      </a:r>
+                      <a:r>
+                        <a:rPr lang="en-IN" sz="1800" b="1" i="0" kern="1200" dirty="0" smtClean="0">
+                          <a:solidFill>
+                            <a:schemeClr val="bg1"/>
+                          </a:solidFill>
+                          <a:effectLst/>
+                          <a:latin typeface="+mn-lt"/>
+                          <a:ea typeface="+mn-ea"/>
+                          <a:cs typeface="+mn-cs"/>
+                        </a:rPr>
+                        <a:t>long-term horizon)</a:t>
+                      </a:r>
+                      <a:endParaRPr lang="en-IN" b="1" dirty="0">
+                        <a:solidFill>
+                          <a:schemeClr val="bg1"/>
+                        </a:solidFill>
+                      </a:endParaRPr>
+                    </a:p>
+                  </a:txBody>
+                  <a:tcPr anchor="ctr">
+                    <a:lnL>
+                      <a:noFill/>
+                    </a:lnL>
+                    <a:lnR>
+                      <a:noFill/>
+                    </a:lnR>
+                    <a:lnT>
+                      <a:noFill/>
+                    </a:lnT>
+                    <a:lnB>
+                      <a:noFill/>
+                    </a:lnB>
+                    <a:solidFill>
+                      <a:schemeClr val="accent6">
+                        <a:lumMod val="60000"/>
+                        <a:lumOff val="40000"/>
+                      </a:schemeClr>
+                    </a:solidFill>
+                  </a:tcPr>
+                </a:tc>
+                <a:tc>
+                  <a:txBody>
+                    <a:bodyPr/>
+                    <a:lstStyle/>
+                    <a:p>
+                      <a:r>
+                        <a:rPr lang="en-IN" dirty="0"/>
+                        <a:t>Profits reinvested, no </a:t>
+                      </a:r>
+                      <a:r>
+                        <a:rPr lang="en-IN" dirty="0" smtClean="0"/>
+                        <a:t>pay-out</a:t>
+                      </a:r>
+                      <a:endParaRPr lang="en-IN" dirty="0"/>
+                    </a:p>
+                  </a:txBody>
+                  <a:tcPr anchor="ctr">
+                    <a:lnL>
+                      <a:noFill/>
+                    </a:lnL>
+                    <a:lnR>
+                      <a:noFill/>
+                    </a:lnR>
+                    <a:lnT>
+                      <a:noFill/>
+                    </a:lnT>
+                    <a:lnB>
+                      <a:noFill/>
+                    </a:lnB>
+                    <a:solidFill>
+                      <a:schemeClr val="accent6">
+                        <a:lumMod val="60000"/>
+                        <a:lumOff val="40000"/>
+                      </a:schemeClr>
+                    </a:solidFill>
+                  </a:tcPr>
+                </a:tc>
+                <a:tc>
+                  <a:txBody>
+                    <a:bodyPr/>
+                    <a:lstStyle/>
+                    <a:p>
+                      <a:r>
+                        <a:rPr lang="en-US" sz="1800" b="0" i="0" kern="1200" dirty="0" smtClean="0">
+                          <a:solidFill>
+                            <a:schemeClr val="tx1"/>
+                          </a:solidFill>
+                          <a:effectLst/>
+                          <a:latin typeface="+mn-lt"/>
+                          <a:ea typeface="+mn-ea"/>
+                          <a:cs typeface="+mn-cs"/>
+                        </a:rPr>
+                        <a:t>NAV steadily grows over time.</a:t>
+                      </a:r>
+                      <a:endParaRPr lang="en-IN" dirty="0"/>
+                    </a:p>
+                  </a:txBody>
+                  <a:tcPr anchor="ctr">
+                    <a:lnL>
+                      <a:noFill/>
+                    </a:lnL>
+                    <a:lnR>
+                      <a:noFill/>
+                    </a:lnR>
+                    <a:lnT>
+                      <a:noFill/>
+                    </a:lnT>
+                    <a:lnB>
+                      <a:noFill/>
+                    </a:lnB>
+                    <a:solidFill>
+                      <a:schemeClr val="accent6">
+                        <a:lumMod val="60000"/>
+                        <a:lumOff val="40000"/>
+                      </a:schemeClr>
+                    </a:solidFill>
+                  </a:tcPr>
+                </a:tc>
+                <a:tc>
+                  <a:txBody>
+                    <a:bodyPr/>
+                    <a:lstStyle/>
+                    <a:p>
+                      <a:r>
+                        <a:rPr lang="en-US" dirty="0"/>
+                        <a:t>Tax only when you redeem</a:t>
+                      </a:r>
+                    </a:p>
+                  </a:txBody>
+                  <a:tcPr anchor="ctr">
+                    <a:lnL>
+                      <a:noFill/>
+                    </a:lnL>
+                    <a:lnR>
+                      <a:noFill/>
+                    </a:lnR>
+                    <a:lnT>
+                      <a:noFill/>
+                    </a:lnT>
+                    <a:lnB>
+                      <a:noFill/>
+                    </a:lnB>
+                    <a:solidFill>
+                      <a:schemeClr val="accent6">
+                        <a:lumMod val="60000"/>
+                        <a:lumOff val="40000"/>
+                      </a:schemeClr>
+                    </a:solidFill>
+                  </a:tcPr>
+                </a:tc>
+                <a:tc>
+                  <a:txBody>
+                    <a:bodyPr/>
+                    <a:lstStyle/>
+                    <a:p>
+                      <a:pPr marL="0" marR="0" lvl="0" indent="0" algn="l" defTabSz="914400" rtl="0" eaLnBrk="1" fontAlgn="auto" latinLnBrk="0" hangingPunct="1">
+                        <a:lnSpc>
+                          <a:spcPct val="100000"/>
+                        </a:lnSpc>
+                        <a:spcBef>
+                          <a:spcPts val="0"/>
+                        </a:spcBef>
+                        <a:spcAft>
+                          <a:spcPts val="0"/>
+                        </a:spcAft>
+                        <a:buClrTx/>
+                        <a:buSzTx/>
+                        <a:buFontTx/>
+                        <a:buNone/>
+                        <a:tabLst/>
+                        <a:defRPr/>
+                      </a:pPr>
+                      <a:r>
+                        <a:rPr lang="en-IN" dirty="0"/>
+                        <a:t>Long-term wealth </a:t>
+                      </a:r>
+                      <a:r>
+                        <a:rPr lang="en-IN" dirty="0" smtClean="0"/>
+                        <a:t>creation.</a:t>
+                      </a:r>
+                      <a:r>
+                        <a:rPr lang="en-US" sz="1800" b="0" i="0" kern="1200" dirty="0" smtClean="0">
+                          <a:solidFill>
+                            <a:schemeClr val="tx1"/>
+                          </a:solidFill>
+                          <a:effectLst/>
+                          <a:latin typeface="+mn-lt"/>
+                          <a:ea typeface="+mn-ea"/>
+                          <a:cs typeface="+mn-cs"/>
+                        </a:rPr>
+                        <a:t> </a:t>
+                      </a:r>
+                      <a:r>
+                        <a:rPr lang="en-US" sz="1800" b="1" i="0" kern="1200" dirty="0" smtClean="0">
+                          <a:solidFill>
+                            <a:schemeClr val="tx1"/>
+                          </a:solidFill>
+                          <a:effectLst/>
+                          <a:latin typeface="+mn-lt"/>
+                          <a:ea typeface="+mn-ea"/>
+                          <a:cs typeface="+mn-cs"/>
+                        </a:rPr>
+                        <a:t>Looking to maximize the benefit of compounding.</a:t>
+                      </a:r>
+                    </a:p>
+                    <a:p>
+                      <a:endParaRPr lang="en-IN" dirty="0"/>
+                    </a:p>
+                  </a:txBody>
+                  <a:tcPr anchor="ctr">
+                    <a:lnL>
+                      <a:noFill/>
+                    </a:lnL>
+                    <a:lnR>
+                      <a:noFill/>
+                    </a:lnR>
+                    <a:lnT>
+                      <a:noFill/>
+                    </a:lnT>
+                    <a:lnB>
+                      <a:noFill/>
+                    </a:lnB>
+                    <a:solidFill>
+                      <a:schemeClr val="accent6">
+                        <a:lumMod val="60000"/>
+                        <a:lumOff val="40000"/>
+                      </a:schemeClr>
+                    </a:solidFill>
+                  </a:tcPr>
+                </a:tc>
+              </a:tr>
+              <a:tr h="1736463">
+                <a:tc>
+                  <a:txBody>
+                    <a:bodyPr/>
+                    <a:lstStyle/>
+                    <a:p>
+                      <a:pPr algn="ctr"/>
+                      <a:endParaRPr lang="en-IN" b="1" dirty="0" smtClean="0"/>
+                    </a:p>
+                    <a:p>
+                      <a:pPr algn="ctr"/>
+                      <a:r>
+                        <a:rPr lang="en-IN" b="1" dirty="0" smtClean="0"/>
+                        <a:t>IDCW (Pay-out)</a:t>
+                      </a:r>
+                    </a:p>
+                    <a:p>
+                      <a:pPr algn="ctr"/>
+                      <a:r>
+                        <a:rPr lang="en-US" dirty="0" smtClean="0"/>
+                        <a:t>(Income Distribution cum Capital Withdrawal)</a:t>
+                      </a:r>
+                    </a:p>
+                    <a:p>
+                      <a:pPr algn="ctr"/>
+                      <a:endParaRPr lang="en-IN" dirty="0"/>
+                    </a:p>
+                  </a:txBody>
+                  <a:tcPr anchor="ctr">
+                    <a:lnL>
+                      <a:noFill/>
+                    </a:lnL>
+                    <a:lnR>
+                      <a:noFill/>
+                    </a:lnR>
+                    <a:lnT>
+                      <a:noFill/>
+                    </a:lnT>
+                    <a:lnB>
+                      <a:noFill/>
+                    </a:lnB>
+                    <a:solidFill>
+                      <a:schemeClr val="accent2">
+                        <a:lumMod val="20000"/>
+                        <a:lumOff val="80000"/>
+                      </a:schemeClr>
+                    </a:solidFill>
+                  </a:tcPr>
+                </a:tc>
+                <a:tc>
+                  <a:txBody>
+                    <a:bodyPr/>
+                    <a:lstStyle/>
+                    <a:p>
+                      <a:r>
+                        <a:rPr lang="en-IN" dirty="0"/>
+                        <a:t>Fund pays out income</a:t>
+                      </a:r>
+                    </a:p>
+                  </a:txBody>
+                  <a:tcPr anchor="ctr">
+                    <a:lnL>
+                      <a:noFill/>
+                    </a:lnL>
+                    <a:lnR>
+                      <a:noFill/>
+                    </a:lnR>
+                    <a:lnT>
+                      <a:noFill/>
+                    </a:lnT>
+                    <a:lnB>
+                      <a:noFill/>
+                    </a:lnB>
+                    <a:solidFill>
+                      <a:schemeClr val="accent2">
+                        <a:lumMod val="20000"/>
+                        <a:lumOff val="80000"/>
+                      </a:schemeClr>
+                    </a:solidFill>
+                  </a:tcPr>
+                </a:tc>
+                <a:tc>
+                  <a:txBody>
+                    <a:bodyPr/>
+                    <a:lstStyle/>
+                    <a:p>
+                      <a:r>
+                        <a:rPr lang="en-US" dirty="0" smtClean="0"/>
+                        <a:t>NAV drops after every payout.</a:t>
+                      </a:r>
+                      <a:endParaRPr lang="en-US" dirty="0"/>
+                    </a:p>
+                  </a:txBody>
+                  <a:tcPr anchor="ctr">
+                    <a:lnL>
+                      <a:noFill/>
+                    </a:lnL>
+                    <a:lnR>
+                      <a:noFill/>
+                    </a:lnR>
+                    <a:lnT>
+                      <a:noFill/>
+                    </a:lnT>
+                    <a:lnB>
+                      <a:noFill/>
+                    </a:lnB>
+                    <a:solidFill>
+                      <a:schemeClr val="accent2">
+                        <a:lumMod val="20000"/>
+                        <a:lumOff val="80000"/>
+                      </a:schemeClr>
+                    </a:solidFill>
+                  </a:tcPr>
+                </a:tc>
+                <a:tc>
+                  <a:txBody>
+                    <a:bodyPr/>
+                    <a:lstStyle/>
+                    <a:p>
+                      <a:r>
+                        <a:rPr lang="en-IN" dirty="0"/>
+                        <a:t>Taxable every </a:t>
+                      </a:r>
+                      <a:r>
+                        <a:rPr lang="en-IN" dirty="0" smtClean="0"/>
+                        <a:t>pay-out</a:t>
+                      </a:r>
+                      <a:endParaRPr lang="en-IN" dirty="0"/>
+                    </a:p>
+                  </a:txBody>
+                  <a:tcPr anchor="ctr">
+                    <a:lnL>
+                      <a:noFill/>
+                    </a:lnL>
+                    <a:lnR>
+                      <a:noFill/>
+                    </a:lnR>
+                    <a:lnT>
+                      <a:noFill/>
+                    </a:lnT>
+                    <a:lnB>
+                      <a:noFill/>
+                    </a:lnB>
+                    <a:solidFill>
+                      <a:schemeClr val="accent2">
+                        <a:lumMod val="20000"/>
+                        <a:lumOff val="80000"/>
+                      </a:schemeClr>
+                    </a:solidFill>
+                  </a:tcPr>
+                </a:tc>
+                <a:tc>
+                  <a:txBody>
+                    <a:bodyPr/>
+                    <a:lstStyle/>
+                    <a:p>
+                      <a:r>
+                        <a:rPr lang="en-IN" dirty="0"/>
+                        <a:t>Regular cash </a:t>
+                      </a:r>
+                      <a:r>
+                        <a:rPr lang="en-IN" dirty="0" smtClean="0"/>
+                        <a:t>flow.</a:t>
+                      </a:r>
+                      <a:endParaRPr lang="en-IN" dirty="0"/>
+                    </a:p>
+                  </a:txBody>
+                  <a:tcPr anchor="ctr">
+                    <a:lnL>
+                      <a:noFill/>
+                    </a:lnL>
+                    <a:lnR>
+                      <a:noFill/>
+                    </a:lnR>
+                    <a:lnT>
+                      <a:noFill/>
+                    </a:lnT>
+                    <a:lnB>
+                      <a:noFill/>
+                    </a:lnB>
+                    <a:solidFill>
+                      <a:schemeClr val="accent2">
+                        <a:lumMod val="20000"/>
+                        <a:lumOff val="80000"/>
+                      </a:schemeClr>
+                    </a:solidFill>
+                  </a:tcPr>
+                </a:tc>
+              </a:tr>
+              <a:tr h="1462285">
+                <a:tc>
+                  <a:txBody>
+                    <a:bodyPr/>
+                    <a:lstStyle/>
+                    <a:p>
+                      <a:pPr algn="ctr"/>
+                      <a:r>
+                        <a:rPr lang="en-IN" b="1" dirty="0"/>
+                        <a:t>IDCW (Reinvestment</a:t>
+                      </a:r>
+                      <a:r>
+                        <a:rPr lang="en-IN" b="1" dirty="0" smtClean="0"/>
+                        <a:t>)</a:t>
+                      </a:r>
+                    </a:p>
+                    <a:p>
+                      <a:pPr algn="ctr"/>
+                      <a:r>
+                        <a:rPr lang="en-US" dirty="0" smtClean="0"/>
+                        <a:t>(Income Distribution cum Capital Withdrawal)</a:t>
+                      </a:r>
+                      <a:endParaRPr lang="en-IN" dirty="0"/>
+                    </a:p>
+                  </a:txBody>
+                  <a:tcPr anchor="ctr">
+                    <a:lnL>
+                      <a:noFill/>
+                    </a:lnL>
+                    <a:lnR>
+                      <a:noFill/>
+                    </a:lnR>
+                    <a:lnT>
+                      <a:noFill/>
+                    </a:lnT>
+                    <a:lnB>
+                      <a:noFill/>
+                    </a:lnB>
+                    <a:solidFill>
+                      <a:schemeClr val="bg2">
+                        <a:lumMod val="90000"/>
+                      </a:schemeClr>
+                    </a:solidFill>
+                  </a:tcPr>
+                </a:tc>
+                <a:tc>
+                  <a:txBody>
+                    <a:bodyPr/>
+                    <a:lstStyle/>
+                    <a:p>
+                      <a:r>
+                        <a:rPr lang="en-US" dirty="0"/>
+                        <a:t>Payout is reinvested into new units</a:t>
+                      </a:r>
+                    </a:p>
+                  </a:txBody>
+                  <a:tcPr anchor="ctr">
+                    <a:lnL>
+                      <a:noFill/>
+                    </a:lnL>
+                    <a:lnR>
+                      <a:noFill/>
+                    </a:lnR>
+                    <a:lnT>
+                      <a:noFill/>
+                    </a:lnT>
+                    <a:lnB>
+                      <a:noFill/>
+                    </a:lnB>
+                    <a:solidFill>
+                      <a:schemeClr val="bg2">
+                        <a:lumMod val="90000"/>
+                      </a:schemeClr>
+                    </a:solidFill>
+                  </a:tcPr>
+                </a:tc>
+                <a:tc>
+                  <a:txBody>
+                    <a:bodyPr/>
+                    <a:lstStyle/>
+                    <a:p>
+                      <a:r>
+                        <a:rPr lang="en-US" sz="1800" b="0" i="0" kern="1200" dirty="0" smtClean="0">
+                          <a:solidFill>
+                            <a:schemeClr val="tx1"/>
+                          </a:solidFill>
+                          <a:effectLst/>
+                          <a:latin typeface="+mn-lt"/>
+                          <a:ea typeface="+mn-ea"/>
+                          <a:cs typeface="+mn-cs"/>
+                        </a:rPr>
+                        <a:t>NAV drops after each reinvestment event.</a:t>
+                      </a:r>
+                      <a:endParaRPr lang="en-US" dirty="0"/>
+                    </a:p>
+                  </a:txBody>
+                  <a:tcPr anchor="ctr">
+                    <a:lnL>
+                      <a:noFill/>
+                    </a:lnL>
+                    <a:lnR>
+                      <a:noFill/>
+                    </a:lnR>
+                    <a:lnT>
+                      <a:noFill/>
+                    </a:lnT>
+                    <a:lnB>
+                      <a:noFill/>
+                    </a:lnB>
+                    <a:solidFill>
+                      <a:schemeClr val="bg2">
+                        <a:lumMod val="90000"/>
+                      </a:schemeClr>
+                    </a:solidFill>
+                  </a:tcPr>
+                </a:tc>
+                <a:tc>
+                  <a:txBody>
+                    <a:bodyPr/>
+                    <a:lstStyle/>
+                    <a:p>
+                      <a:r>
+                        <a:rPr lang="en-IN" dirty="0"/>
+                        <a:t>Taxable (treated as </a:t>
+                      </a:r>
+                      <a:r>
+                        <a:rPr lang="en-IN" dirty="0" smtClean="0"/>
+                        <a:t>pay-out)</a:t>
+                      </a:r>
+                      <a:endParaRPr lang="en-IN" dirty="0"/>
+                    </a:p>
+                  </a:txBody>
+                  <a:tcPr anchor="ctr">
+                    <a:lnL>
+                      <a:noFill/>
+                    </a:lnL>
+                    <a:lnR>
+                      <a:noFill/>
+                    </a:lnR>
+                    <a:lnT>
+                      <a:noFill/>
+                    </a:lnT>
+                    <a:lnB>
+                      <a:noFill/>
+                    </a:lnB>
+                    <a:solidFill>
+                      <a:schemeClr val="bg2">
+                        <a:lumMod val="90000"/>
+                      </a:schemeClr>
+                    </a:solidFill>
+                  </a:tcPr>
+                </a:tc>
+                <a:tc>
+                  <a:txBody>
+                    <a:bodyPr/>
+                    <a:lstStyle/>
+                    <a:p>
+                      <a:r>
+                        <a:rPr lang="en-US" dirty="0"/>
+                        <a:t>People preferring payout structure but still </a:t>
+                      </a:r>
+                      <a:r>
+                        <a:rPr lang="en-US" dirty="0" smtClean="0"/>
+                        <a:t>investing.</a:t>
+                      </a:r>
+                    </a:p>
+                    <a:p>
+                      <a:r>
+                        <a:rPr lang="en-US" sz="1800" b="1" i="0" kern="1200" dirty="0" smtClean="0">
+                          <a:solidFill>
+                            <a:schemeClr val="tx1"/>
+                          </a:solidFill>
+                          <a:effectLst/>
+                          <a:latin typeface="+mn-lt"/>
+                          <a:ea typeface="+mn-ea"/>
+                          <a:cs typeface="+mn-cs"/>
+                        </a:rPr>
+                        <a:t>Compounding is slightly less efficient</a:t>
+                      </a:r>
+                      <a:endParaRPr lang="en-US" b="1" dirty="0"/>
+                    </a:p>
+                  </a:txBody>
+                  <a:tcPr anchor="ctr">
+                    <a:lnL>
+                      <a:noFill/>
+                    </a:lnL>
+                    <a:lnR>
+                      <a:noFill/>
+                    </a:lnR>
+                    <a:lnT>
+                      <a:noFill/>
+                    </a:lnT>
+                    <a:lnB>
+                      <a:noFill/>
+                    </a:lnB>
+                    <a:solidFill>
+                      <a:schemeClr val="bg2">
+                        <a:lumMod val="90000"/>
+                      </a:schemeClr>
+                    </a:solidFill>
+                  </a:tcPr>
+                </a:tc>
+              </a:tr>
+            </a:tbl>
+          </a:graphicData>
+        </a:graphic>
+      </p:graphicFrame>
+    </p:spTree>
+    <p:extLst>
+      <p:ext uri="{BB962C8B-B14F-4D97-AF65-F5344CB8AC3E}">
+        <p14:creationId xmlns:p14="http://schemas.microsoft.com/office/powerpoint/2010/main" val="259101243"/>
+      </p:ext>
+    </p:extLst>
+  </p:cSld>
+  <p:clrMapOvr>
+    <a:masterClrMapping/>
+  </p:clrMapOvr>
+</p:sld>
+</file>
+
+<file path=ppt/slides/slide8.xml><?xml version="1.0" encoding="utf-8"?>
+<p:sld xmlns:a="http://schemas.openxmlformats.org/drawingml/2006/main" xmlns:r="http://schemas.openxmlformats.org/officeDocument/2006/relationships" xmlns:p="http://schemas.openxmlformats.org/presentationml/2006/main">
+  <p:cSld>
+    <p:spTree>
+      <p:nvGrpSpPr>
+        <p:cNvPr id="1" name=""/>
+        <p:cNvGrpSpPr/>
+        <p:nvPr/>
+      </p:nvGrpSpPr>
+      <p:grpSpPr>
+        <a:xfrm>
+          <a:off x="0" y="0"/>
+          <a:ext cx="0" cy="0"/>
+          <a:chOff x="0" y="0"/>
+          <a:chExt cx="0" cy="0"/>
+        </a:xfrm>
+      </p:grpSpPr>
+      <p:sp>
+        <p:nvSpPr>
+          <p:cNvPr id="2" name="Title 1"/>
+          <p:cNvSpPr>
+            <a:spLocks noGrp="1"/>
+          </p:cNvSpPr>
+          <p:nvPr>
+            <p:ph type="title"/>
+          </p:nvPr>
+        </p:nvSpPr>
+        <p:spPr>
+          <a:xfrm>
+            <a:off x="451833" y="146185"/>
+            <a:ext cx="4596685" cy="562154"/>
+          </a:xfrm>
+        </p:spPr>
+        <p:txBody>
+          <a:bodyPr>
+            <a:normAutofit/>
+          </a:bodyPr>
+          <a:lstStyle/>
+          <a:p>
+            <a:r>
+              <a:rPr lang="en-US" sz="3200" b="1" dirty="0"/>
+              <a:t>Investment Modes</a:t>
+            </a:r>
+            <a:r>
+              <a:rPr lang="en-US" sz="3200" b="1" dirty="0" smtClean="0"/>
+              <a:t>:</a:t>
+            </a:r>
+            <a:endParaRPr lang="en-IN" sz="3200" b="1" dirty="0"/>
+          </a:p>
+        </p:txBody>
+      </p:sp>
+      <p:sp>
+        <p:nvSpPr>
+          <p:cNvPr id="4" name="Footer Placeholder 3"/>
+          <p:cNvSpPr>
+            <a:spLocks noGrp="1"/>
+          </p:cNvSpPr>
+          <p:nvPr>
+            <p:ph type="ftr" sz="quarter" idx="11"/>
+          </p:nvPr>
+        </p:nvSpPr>
+        <p:spPr>
+          <a:xfrm>
+            <a:off x="8077200" y="6356349"/>
+            <a:ext cx="4114800" cy="365125"/>
+          </a:xfrm>
+        </p:spPr>
+        <p:txBody>
+          <a:bodyPr/>
+          <a:lstStyle/>
+          <a:p>
+            <a:r>
+              <a:rPr lang="en-IN" smtClean="0"/>
+              <a:t>MOHAN SUNDARAM</a:t>
+            </a:r>
+            <a:endParaRPr lang="en-IN"/>
+          </a:p>
+        </p:txBody>
+      </p:sp>
+      <p:graphicFrame>
+        <p:nvGraphicFramePr>
+          <p:cNvPr id="10" name="Table 9"/>
+          <p:cNvGraphicFramePr>
+            <a:graphicFrameLocks noGrp="1"/>
+          </p:cNvGraphicFramePr>
+          <p:nvPr>
+            <p:extLst>
+              <p:ext uri="{D42A27DB-BD31-4B8C-83A1-F6EECF244321}">
+                <p14:modId xmlns:p14="http://schemas.microsoft.com/office/powerpoint/2010/main" val="2684755778"/>
+              </p:ext>
+            </p:extLst>
+          </p:nvPr>
+        </p:nvGraphicFramePr>
+        <p:xfrm>
+          <a:off x="451833" y="895640"/>
+          <a:ext cx="10830060" cy="3875108"/>
+        </p:xfrm>
+        <a:graphic>
+          <a:graphicData uri="http://schemas.openxmlformats.org/drawingml/2006/table">
+            <a:tbl>
+              <a:tblPr/>
+              <a:tblGrid>
+                <a:gridCol w="2707515"/>
+                <a:gridCol w="2707515"/>
+                <a:gridCol w="2707515"/>
+                <a:gridCol w="2707515"/>
+              </a:tblGrid>
+              <a:tr h="454031">
+                <a:tc>
+                  <a:txBody>
+                    <a:bodyPr/>
+                    <a:lstStyle/>
+                    <a:p>
+                      <a:pPr algn="ctr"/>
+                      <a:r>
+                        <a:rPr lang="en-IN" sz="2400" b="1" dirty="0"/>
+                        <a:t>Mode</a:t>
+                      </a:r>
+                    </a:p>
+                  </a:txBody>
+                  <a:tcPr anchor="ctr">
+                    <a:lnL>
+                      <a:noFill/>
+                    </a:lnL>
+                    <a:lnR>
+                      <a:noFill/>
+                    </a:lnR>
+                    <a:lnT>
+                      <a:noFill/>
+                    </a:lnT>
+                    <a:lnB>
+                      <a:noFill/>
+                    </a:lnB>
+                    <a:solidFill>
+                      <a:schemeClr val="accent1">
+                        <a:lumMod val="40000"/>
+                        <a:lumOff val="60000"/>
+                      </a:schemeClr>
+                    </a:solidFill>
+                  </a:tcPr>
+                </a:tc>
+                <a:tc>
+                  <a:txBody>
+                    <a:bodyPr/>
+                    <a:lstStyle/>
+                    <a:p>
+                      <a:pPr algn="ctr"/>
+                      <a:r>
+                        <a:rPr lang="en-IN" sz="2400" b="1" dirty="0"/>
+                        <a:t>Meaning</a:t>
+                      </a:r>
+                    </a:p>
+                  </a:txBody>
+                  <a:tcPr anchor="ctr">
+                    <a:lnL>
+                      <a:noFill/>
+                    </a:lnL>
+                    <a:lnR>
+                      <a:noFill/>
+                    </a:lnR>
+                    <a:lnT>
+                      <a:noFill/>
+                    </a:lnT>
+                    <a:lnB>
+                      <a:noFill/>
+                    </a:lnB>
+                    <a:solidFill>
+                      <a:schemeClr val="accent1">
+                        <a:lumMod val="40000"/>
+                        <a:lumOff val="60000"/>
+                      </a:schemeClr>
+                    </a:solidFill>
+                  </a:tcPr>
+                </a:tc>
+                <a:tc>
+                  <a:txBody>
+                    <a:bodyPr/>
+                    <a:lstStyle/>
+                    <a:p>
+                      <a:pPr algn="ctr"/>
+                      <a:r>
+                        <a:rPr lang="en-IN" sz="2400" b="1" dirty="0"/>
+                        <a:t>Use Case</a:t>
+                      </a:r>
+                    </a:p>
+                  </a:txBody>
+                  <a:tcPr anchor="ctr">
+                    <a:lnL>
+                      <a:noFill/>
+                    </a:lnL>
+                    <a:lnR>
+                      <a:noFill/>
+                    </a:lnR>
+                    <a:lnT>
+                      <a:noFill/>
+                    </a:lnT>
+                    <a:lnB>
+                      <a:noFill/>
+                    </a:lnB>
+                    <a:solidFill>
+                      <a:schemeClr val="accent1">
+                        <a:lumMod val="40000"/>
+                        <a:lumOff val="60000"/>
+                      </a:schemeClr>
+                    </a:solidFill>
+                  </a:tcPr>
+                </a:tc>
+                <a:tc>
+                  <a:txBody>
+                    <a:bodyPr/>
+                    <a:lstStyle/>
+                    <a:p>
+                      <a:pPr algn="ctr"/>
+                      <a:r>
+                        <a:rPr lang="en-IN" sz="2400" b="1" dirty="0"/>
+                        <a:t>Best For</a:t>
+                      </a:r>
+                    </a:p>
+                  </a:txBody>
+                  <a:tcPr anchor="ctr">
+                    <a:lnL>
+                      <a:noFill/>
+                    </a:lnL>
+                    <a:lnR>
+                      <a:noFill/>
+                    </a:lnR>
+                    <a:lnT>
+                      <a:noFill/>
+                    </a:lnT>
+                    <a:lnB>
+                      <a:noFill/>
+                    </a:lnB>
+                    <a:solidFill>
+                      <a:schemeClr val="accent1">
+                        <a:lumMod val="40000"/>
+                        <a:lumOff val="60000"/>
+                      </a:schemeClr>
+                    </a:solidFill>
+                  </a:tcPr>
+                </a:tc>
+              </a:tr>
+              <a:tr h="797292">
+                <a:tc>
+                  <a:txBody>
+                    <a:bodyPr/>
+                    <a:lstStyle/>
+                    <a:p>
+                      <a:pPr algn="ctr"/>
+                      <a:r>
+                        <a:rPr lang="en-IN" b="1" dirty="0"/>
+                        <a:t>SIP </a:t>
+                      </a:r>
+                      <a:endParaRPr lang="en-IN" b="1" dirty="0" smtClean="0"/>
+                    </a:p>
+                    <a:p>
+                      <a:pPr algn="ctr"/>
+                      <a:r>
+                        <a:rPr lang="en-IN" b="1" dirty="0" smtClean="0"/>
+                        <a:t>(</a:t>
+                      </a:r>
+                      <a:r>
+                        <a:rPr lang="en-IN" b="1" dirty="0"/>
+                        <a:t>Systematic Investment Plan)</a:t>
+                      </a:r>
+                      <a:endParaRPr lang="en-IN" dirty="0"/>
+                    </a:p>
+                  </a:txBody>
+                  <a:tcPr anchor="ctr">
+                    <a:lnL>
+                      <a:noFill/>
+                    </a:lnL>
+                    <a:lnR>
+                      <a:noFill/>
+                    </a:lnR>
+                    <a:lnT>
+                      <a:noFill/>
+                    </a:lnT>
+                    <a:lnB>
+                      <a:noFill/>
+                    </a:lnB>
+                  </a:tcPr>
+                </a:tc>
+                <a:tc>
+                  <a:txBody>
+                    <a:bodyPr/>
+                    <a:lstStyle/>
+                    <a:p>
+                      <a:r>
+                        <a:rPr lang="en-IN"/>
+                        <a:t>Invest monthly</a:t>
+                      </a:r>
+                    </a:p>
+                  </a:txBody>
+                  <a:tcPr anchor="ctr">
+                    <a:lnL>
+                      <a:noFill/>
+                    </a:lnL>
+                    <a:lnR>
+                      <a:noFill/>
+                    </a:lnR>
+                    <a:lnT>
+                      <a:noFill/>
+                    </a:lnT>
+                    <a:lnB>
+                      <a:noFill/>
+                    </a:lnB>
+                  </a:tcPr>
+                </a:tc>
+                <a:tc>
+                  <a:txBody>
+                    <a:bodyPr/>
+                    <a:lstStyle/>
+                    <a:p>
+                      <a:r>
+                        <a:rPr lang="en-IN"/>
+                        <a:t>Rupee-cost averaging</a:t>
+                      </a:r>
+                    </a:p>
+                  </a:txBody>
+                  <a:tcPr anchor="ctr">
+                    <a:lnL>
+                      <a:noFill/>
+                    </a:lnL>
+                    <a:lnR>
+                      <a:noFill/>
+                    </a:lnR>
+                    <a:lnT>
+                      <a:noFill/>
+                    </a:lnT>
+                    <a:lnB>
+                      <a:noFill/>
+                    </a:lnB>
+                  </a:tcPr>
+                </a:tc>
+                <a:tc>
+                  <a:txBody>
+                    <a:bodyPr/>
+                    <a:lstStyle/>
+                    <a:p>
+                      <a:r>
+                        <a:rPr lang="en-IN" dirty="0"/>
+                        <a:t>Salaried, long-term </a:t>
+                      </a:r>
+                      <a:r>
+                        <a:rPr lang="en-IN" dirty="0" smtClean="0"/>
+                        <a:t>investors.</a:t>
+                      </a:r>
+                      <a:endParaRPr lang="en-IN" dirty="0"/>
+                    </a:p>
+                  </a:txBody>
+                  <a:tcPr anchor="ctr">
+                    <a:lnL>
+                      <a:noFill/>
+                    </a:lnL>
+                    <a:lnR>
+                      <a:noFill/>
+                    </a:lnR>
+                    <a:lnT>
+                      <a:noFill/>
+                    </a:lnT>
+                    <a:lnB>
+                      <a:noFill/>
+                    </a:lnB>
+                  </a:tcPr>
+                </a:tc>
+              </a:tr>
+              <a:tr h="794554">
+                <a:tc>
+                  <a:txBody>
+                    <a:bodyPr/>
+                    <a:lstStyle/>
+                    <a:p>
+                      <a:pPr algn="ctr"/>
+                      <a:r>
+                        <a:rPr lang="en-IN" b="1" dirty="0"/>
+                        <a:t>STP </a:t>
+                      </a:r>
+                      <a:endParaRPr lang="en-IN" b="1" dirty="0" smtClean="0"/>
+                    </a:p>
+                    <a:p>
+                      <a:pPr algn="ctr"/>
+                      <a:r>
+                        <a:rPr lang="en-IN" b="1" dirty="0" smtClean="0"/>
+                        <a:t>(</a:t>
+                      </a:r>
+                      <a:r>
+                        <a:rPr lang="en-IN" b="1" dirty="0"/>
+                        <a:t>Systematic Transfer Plan)</a:t>
+                      </a:r>
+                      <a:endParaRPr lang="en-IN" dirty="0"/>
+                    </a:p>
+                  </a:txBody>
+                  <a:tcPr anchor="ctr">
+                    <a:lnL>
+                      <a:noFill/>
+                    </a:lnL>
+                    <a:lnR>
+                      <a:noFill/>
+                    </a:lnR>
+                    <a:lnT>
+                      <a:noFill/>
+                    </a:lnT>
+                    <a:lnB>
+                      <a:noFill/>
+                    </a:lnB>
+                  </a:tcPr>
+                </a:tc>
+                <a:tc>
+                  <a:txBody>
+                    <a:bodyPr/>
+                    <a:lstStyle/>
+                    <a:p>
+                      <a:r>
+                        <a:rPr lang="en-US" dirty="0"/>
+                        <a:t>Auto-transfer from Fund A → Fund B</a:t>
+                      </a:r>
+                    </a:p>
+                  </a:txBody>
+                  <a:tcPr anchor="ctr">
+                    <a:lnL>
+                      <a:noFill/>
+                    </a:lnL>
+                    <a:lnR>
+                      <a:noFill/>
+                    </a:lnR>
+                    <a:lnT>
+                      <a:noFill/>
+                    </a:lnT>
+                    <a:lnB>
+                      <a:noFill/>
+                    </a:lnB>
+                  </a:tcPr>
+                </a:tc>
+                <a:tc>
+                  <a:txBody>
+                    <a:bodyPr/>
+                    <a:lstStyle/>
+                    <a:p>
+                      <a:r>
+                        <a:rPr lang="en-US"/>
+                        <a:t>Move from low-risk to high-risk safely</a:t>
+                      </a:r>
+                    </a:p>
+                  </a:txBody>
+                  <a:tcPr anchor="ctr">
+                    <a:lnL>
+                      <a:noFill/>
+                    </a:lnL>
+                    <a:lnR>
+                      <a:noFill/>
+                    </a:lnR>
+                    <a:lnT>
+                      <a:noFill/>
+                    </a:lnT>
+                    <a:lnB>
+                      <a:noFill/>
+                    </a:lnB>
+                  </a:tcPr>
+                </a:tc>
+                <a:tc>
+                  <a:txBody>
+                    <a:bodyPr/>
+                    <a:lstStyle/>
+                    <a:p>
+                      <a:r>
+                        <a:rPr lang="en-US" dirty="0"/>
+                        <a:t>Investors starting with lump sum in liquid </a:t>
+                      </a:r>
+                      <a:r>
+                        <a:rPr lang="en-US" dirty="0" smtClean="0"/>
+                        <a:t>fund.</a:t>
+                      </a:r>
+                      <a:endParaRPr lang="en-US" dirty="0"/>
+                    </a:p>
+                  </a:txBody>
+                  <a:tcPr anchor="ctr">
+                    <a:lnL>
+                      <a:noFill/>
+                    </a:lnL>
+                    <a:lnR>
+                      <a:noFill/>
+                    </a:lnR>
+                    <a:lnT>
+                      <a:noFill/>
+                    </a:lnT>
+                    <a:lnB>
+                      <a:noFill/>
+                    </a:lnB>
+                  </a:tcPr>
+                </a:tc>
+              </a:tr>
+              <a:tr h="797292">
+                <a:tc>
+                  <a:txBody>
+                    <a:bodyPr/>
+                    <a:lstStyle/>
+                    <a:p>
+                      <a:pPr algn="ctr"/>
+                      <a:r>
+                        <a:rPr lang="en-IN" b="1" dirty="0"/>
+                        <a:t>SWP </a:t>
+                      </a:r>
+                      <a:endParaRPr lang="en-IN" b="1" dirty="0" smtClean="0"/>
+                    </a:p>
+                    <a:p>
+                      <a:pPr algn="ctr"/>
+                      <a:r>
+                        <a:rPr lang="en-IN" b="1" dirty="0" smtClean="0"/>
+                        <a:t>(</a:t>
+                      </a:r>
+                      <a:r>
+                        <a:rPr lang="en-IN" b="1" dirty="0"/>
+                        <a:t>Systematic Withdrawal Plan)</a:t>
+                      </a:r>
+                      <a:endParaRPr lang="en-IN" dirty="0"/>
+                    </a:p>
+                  </a:txBody>
+                  <a:tcPr anchor="ctr">
+                    <a:lnL>
+                      <a:noFill/>
+                    </a:lnL>
+                    <a:lnR>
+                      <a:noFill/>
+                    </a:lnR>
+                    <a:lnT>
+                      <a:noFill/>
+                    </a:lnT>
+                    <a:lnB>
+                      <a:noFill/>
+                    </a:lnB>
+                  </a:tcPr>
+                </a:tc>
+                <a:tc>
+                  <a:txBody>
+                    <a:bodyPr/>
+                    <a:lstStyle/>
+                    <a:p>
+                      <a:r>
+                        <a:rPr lang="en-US" dirty="0"/>
+                        <a:t>Monthly withdrawal from your fund</a:t>
+                      </a:r>
+                    </a:p>
+                  </a:txBody>
+                  <a:tcPr anchor="ctr">
+                    <a:lnL>
+                      <a:noFill/>
+                    </a:lnL>
+                    <a:lnR>
+                      <a:noFill/>
+                    </a:lnR>
+                    <a:lnT>
+                      <a:noFill/>
+                    </a:lnT>
+                    <a:lnB>
+                      <a:noFill/>
+                    </a:lnB>
+                  </a:tcPr>
+                </a:tc>
+                <a:tc>
+                  <a:txBody>
+                    <a:bodyPr/>
+                    <a:lstStyle/>
+                    <a:p>
+                      <a:r>
+                        <a:rPr lang="en-IN"/>
+                        <a:t>Monthly income from investment</a:t>
+                      </a:r>
+                    </a:p>
+                  </a:txBody>
+                  <a:tcPr anchor="ctr">
+                    <a:lnL>
+                      <a:noFill/>
+                    </a:lnL>
+                    <a:lnR>
+                      <a:noFill/>
+                    </a:lnR>
+                    <a:lnT>
+                      <a:noFill/>
+                    </a:lnT>
+                    <a:lnB>
+                      <a:noFill/>
+                    </a:lnB>
+                  </a:tcPr>
+                </a:tc>
+                <a:tc>
+                  <a:txBody>
+                    <a:bodyPr/>
+                    <a:lstStyle/>
+                    <a:p>
+                      <a:r>
+                        <a:rPr lang="en-US" dirty="0"/>
+                        <a:t>Retired people or income </a:t>
+                      </a:r>
+                      <a:r>
+                        <a:rPr lang="en-US" dirty="0" smtClean="0"/>
+                        <a:t>planning.</a:t>
+                      </a:r>
+                      <a:endParaRPr lang="en-US" dirty="0"/>
+                    </a:p>
+                  </a:txBody>
+                  <a:tcPr anchor="ctr">
+                    <a:lnL>
+                      <a:noFill/>
+                    </a:lnL>
+                    <a:lnR>
+                      <a:noFill/>
+                    </a:lnR>
+                    <a:lnT>
+                      <a:noFill/>
+                    </a:lnT>
+                    <a:lnB>
+                      <a:noFill/>
+                    </a:lnB>
+                  </a:tcPr>
+                </a:tc>
+              </a:tr>
+              <a:tr h="794554">
+                <a:tc>
+                  <a:txBody>
+                    <a:bodyPr/>
+                    <a:lstStyle/>
+                    <a:p>
+                      <a:pPr algn="ctr"/>
+                      <a:r>
+                        <a:rPr lang="en-IN" b="1" dirty="0"/>
+                        <a:t>Lump Sum</a:t>
+                      </a:r>
+                      <a:endParaRPr lang="en-IN" dirty="0"/>
+                    </a:p>
+                  </a:txBody>
+                  <a:tcPr anchor="ctr">
+                    <a:lnL>
+                      <a:noFill/>
+                    </a:lnL>
+                    <a:lnR>
+                      <a:noFill/>
+                    </a:lnR>
+                    <a:lnT>
+                      <a:noFill/>
+                    </a:lnT>
+                    <a:lnB>
+                      <a:noFill/>
+                    </a:lnB>
+                  </a:tcPr>
+                </a:tc>
+                <a:tc>
+                  <a:txBody>
+                    <a:bodyPr/>
+                    <a:lstStyle/>
+                    <a:p>
+                      <a:r>
+                        <a:rPr lang="en-IN" dirty="0"/>
+                        <a:t>One-time investment</a:t>
+                      </a:r>
+                    </a:p>
+                  </a:txBody>
+                  <a:tcPr anchor="ctr">
+                    <a:lnL>
+                      <a:noFill/>
+                    </a:lnL>
+                    <a:lnR>
+                      <a:noFill/>
+                    </a:lnR>
+                    <a:lnT>
+                      <a:noFill/>
+                    </a:lnT>
+                    <a:lnB>
+                      <a:noFill/>
+                    </a:lnB>
+                  </a:tcPr>
+                </a:tc>
+                <a:tc>
+                  <a:txBody>
+                    <a:bodyPr/>
+                    <a:lstStyle/>
+                    <a:p>
+                      <a:r>
+                        <a:rPr lang="en-IN"/>
+                        <a:t>Market timing required</a:t>
+                      </a:r>
+                    </a:p>
+                  </a:txBody>
+                  <a:tcPr anchor="ctr">
+                    <a:lnL>
+                      <a:noFill/>
+                    </a:lnL>
+                    <a:lnR>
+                      <a:noFill/>
+                    </a:lnR>
+                    <a:lnT>
+                      <a:noFill/>
+                    </a:lnT>
+                    <a:lnB>
+                      <a:noFill/>
+                    </a:lnB>
+                  </a:tcPr>
+                </a:tc>
+                <a:tc>
+                  <a:txBody>
+                    <a:bodyPr/>
+                    <a:lstStyle/>
+                    <a:p>
+                      <a:r>
+                        <a:rPr lang="en-US" dirty="0"/>
+                        <a:t>When you have large </a:t>
+                      </a:r>
+                      <a:r>
+                        <a:rPr lang="en-US" dirty="0" smtClean="0"/>
+                        <a:t>amount.</a:t>
+                      </a:r>
+                      <a:endParaRPr lang="en-US" dirty="0"/>
+                    </a:p>
+                  </a:txBody>
+                  <a:tcPr anchor="ctr">
+                    <a:lnL>
+                      <a:noFill/>
+                    </a:lnL>
+                    <a:lnR>
+                      <a:noFill/>
+                    </a:lnR>
+                    <a:lnT>
+                      <a:noFill/>
+                    </a:lnT>
+                    <a:lnB>
+                      <a:noFill/>
+                    </a:lnB>
+                  </a:tcPr>
+                </a:tc>
+              </a:tr>
+            </a:tbl>
+          </a:graphicData>
+        </a:graphic>
+      </p:graphicFrame>
+      <p:sp>
+        <p:nvSpPr>
+          <p:cNvPr id="11" name="Rectangle 10"/>
+          <p:cNvSpPr/>
+          <p:nvPr/>
+        </p:nvSpPr>
+        <p:spPr>
+          <a:xfrm>
+            <a:off x="451833" y="5055042"/>
+            <a:ext cx="7880798" cy="1323439"/>
+          </a:xfrm>
+          <a:prstGeom prst="rect">
+            <a:avLst/>
+          </a:prstGeom>
+        </p:spPr>
+        <p:txBody>
+          <a:bodyPr wrap="square">
+            <a:spAutoFit/>
+          </a:bodyPr>
+          <a:lstStyle/>
+          <a:p>
+            <a:pPr>
+              <a:buFont typeface="Arial" panose="020B0604020202020204" pitchFamily="34" charset="0"/>
+              <a:buChar char="•"/>
+            </a:pPr>
+            <a:r>
+              <a:rPr lang="en-US" sz="2000" b="1" dirty="0" smtClean="0"/>
+              <a:t>Growth </a:t>
+            </a:r>
+            <a:r>
+              <a:rPr lang="en-US" sz="2000" b="1" dirty="0"/>
+              <a:t>+ SIP → Wealth building, best long-term</a:t>
+            </a:r>
+            <a:endParaRPr lang="en-US" sz="2000" dirty="0"/>
+          </a:p>
+          <a:p>
+            <a:pPr>
+              <a:buFont typeface="Arial" panose="020B0604020202020204" pitchFamily="34" charset="0"/>
+              <a:buChar char="•"/>
+            </a:pPr>
+            <a:r>
+              <a:rPr lang="en-US" sz="2000" b="1" dirty="0"/>
+              <a:t>IDCW + SWP → Monthly income option</a:t>
+            </a:r>
+            <a:endParaRPr lang="en-US" sz="2000" dirty="0"/>
+          </a:p>
+          <a:p>
+            <a:pPr>
+              <a:buFont typeface="Arial" panose="020B0604020202020204" pitchFamily="34" charset="0"/>
+              <a:buChar char="•"/>
+            </a:pPr>
+            <a:r>
+              <a:rPr lang="en-US" sz="2000" b="1" dirty="0"/>
+              <a:t>STP → Move lump sum safely to equity</a:t>
+            </a:r>
+            <a:endParaRPr lang="en-US" sz="2000" dirty="0"/>
+          </a:p>
+          <a:p>
+            <a:pPr>
+              <a:buFont typeface="Arial" panose="020B0604020202020204" pitchFamily="34" charset="0"/>
+              <a:buChar char="•"/>
+            </a:pPr>
+            <a:r>
+              <a:rPr lang="en-US" sz="2000" b="1" dirty="0"/>
+              <a:t>Growth + Lump Sum → Invest big amount, higher timing risk</a:t>
+            </a:r>
+            <a:endParaRPr lang="en-US" sz="2000" dirty="0"/>
+          </a:p>
+        </p:txBody>
+      </p:sp>
+    </p:spTree>
+    <p:extLst>
+      <p:ext uri="{BB962C8B-B14F-4D97-AF65-F5344CB8AC3E}">
+        <p14:creationId xmlns:p14="http://schemas.microsoft.com/office/powerpoint/2010/main" val="1908333336"/>
+      </p:ext>
+    </p:extLst>
+  </p:cSld>
+  <p:clrMapOvr>
+    <a:masterClrMapping/>
+  </p:clrMapOvr>
+</p:sld>
+</file>
+
+<file path=ppt/slides/slide9.xml><?xml version="1.0" encoding="utf-8"?>
+<p:sld xmlns:a="http://schemas.openxmlformats.org/drawingml/2006/main" xmlns:r="http://schemas.openxmlformats.org/officeDocument/2006/relationships" xmlns:p="http://schemas.openxmlformats.org/presentationml/2006/main">
+  <p:cSld>
+    <p:spTree>
+      <p:nvGrpSpPr>
+        <p:cNvPr id="1" name=""/>
+        <p:cNvGrpSpPr/>
+        <p:nvPr/>
+      </p:nvGrpSpPr>
+      <p:grpSpPr>
+        <a:xfrm>
+          <a:off x="0" y="0"/>
+          <a:ext cx="0" cy="0"/>
+          <a:chOff x="0" y="0"/>
+          <a:chExt cx="0" cy="0"/>
+        </a:xfrm>
+      </p:grpSpPr>
+      <p:sp>
+        <p:nvSpPr>
           <p:cNvPr id="4" name="object 2"/>
           <p:cNvSpPr txBox="1">
             <a:spLocks noGrp="1"/>
@@ -27247,6 +29529,7 @@
                 <a:solidFill>
                   <a:srgbClr val="C00000"/>
                 </a:solidFill>
+                <a:latin typeface="Arial Black" panose="020B0A04020102020204" pitchFamily="34" charset="0"/>
               </a:rPr>
               <a:t>Expense</a:t>
             </a:r>
@@ -27255,6 +29538,7 @@
                 <a:solidFill>
                   <a:srgbClr val="C00000"/>
                 </a:solidFill>
+                <a:latin typeface="Arial Black" panose="020B0A04020102020204" pitchFamily="34" charset="0"/>
               </a:rPr>
               <a:t> </a:t>
             </a:r>
@@ -27263,6 +29547,7 @@
                 <a:solidFill>
                   <a:srgbClr val="C00000"/>
                 </a:solidFill>
+                <a:latin typeface="Arial Black" panose="020B0A04020102020204" pitchFamily="34" charset="0"/>
               </a:rPr>
               <a:t>Ratio:</a:t>
             </a:r>
@@ -27271,6 +29556,7 @@
                 <a:solidFill>
                   <a:srgbClr val="C00000"/>
                 </a:solidFill>
+                <a:latin typeface="Arial Black" panose="020B0A04020102020204" pitchFamily="34" charset="0"/>
               </a:rPr>
               <a:t> </a:t>
             </a:r>
@@ -27279,6 +29565,7 @@
                 <a:solidFill>
                   <a:srgbClr val="C00000"/>
                 </a:solidFill>
+                <a:latin typeface="Arial Black" panose="020B0A04020102020204" pitchFamily="34" charset="0"/>
               </a:rPr>
               <a:t>The</a:t>
             </a:r>
@@ -27287,6 +29574,7 @@
                 <a:solidFill>
                   <a:srgbClr val="C00000"/>
                 </a:solidFill>
+                <a:latin typeface="Arial Black" panose="020B0A04020102020204" pitchFamily="34" charset="0"/>
               </a:rPr>
               <a:t> </a:t>
             </a:r>
@@ -27295,6 +29583,7 @@
                 <a:solidFill>
                   <a:srgbClr val="C00000"/>
                 </a:solidFill>
+                <a:latin typeface="Arial Black" panose="020B0A04020102020204" pitchFamily="34" charset="0"/>
               </a:rPr>
               <a:t>Key</a:t>
             </a:r>
@@ -27303,6 +29592,7 @@
                 <a:solidFill>
                   <a:srgbClr val="C00000"/>
                 </a:solidFill>
+                <a:latin typeface="Arial Black" panose="020B0A04020102020204" pitchFamily="34" charset="0"/>
               </a:rPr>
               <a:t> </a:t>
             </a:r>
@@ -27311,6 +29601,7 @@
                 <a:solidFill>
                   <a:srgbClr val="C00000"/>
                 </a:solidFill>
+                <a:latin typeface="Arial Black" panose="020B0A04020102020204" pitchFamily="34" charset="0"/>
               </a:rPr>
               <a:t>Differentiator</a:t>
             </a:r>
@@ -32494,435 +34785,6 @@
     <p:extLst>
       <p:ext uri="{BB962C8B-B14F-4D97-AF65-F5344CB8AC3E}">
         <p14:creationId xmlns:p14="http://schemas.microsoft.com/office/powerpoint/2010/main" val="2789700279"/>
-      </p:ext>
-    </p:extLst>
-  </p:cSld>
-  <p:clrMapOvr>
-    <a:masterClrMapping/>
-  </p:clrMapOvr>
-</p:sld>
-</file>
-
-<file path=ppt/slides/slide8.xml><?xml version="1.0" encoding="utf-8"?>
-<p:sld xmlns:a="http://schemas.openxmlformats.org/drawingml/2006/main" xmlns:r="http://schemas.openxmlformats.org/officeDocument/2006/relationships" xmlns:p="http://schemas.openxmlformats.org/presentationml/2006/main">
-  <p:cSld>
-    <p:spTree>
-      <p:nvGrpSpPr>
-        <p:cNvPr id="1" name=""/>
-        <p:cNvGrpSpPr/>
-        <p:nvPr/>
-      </p:nvGrpSpPr>
-      <p:grpSpPr>
-        <a:xfrm>
-          <a:off x="0" y="0"/>
-          <a:ext cx="0" cy="0"/>
-          <a:chOff x="0" y="0"/>
-          <a:chExt cx="0" cy="0"/>
-        </a:xfrm>
-      </p:grpSpPr>
-      <p:pic>
-        <p:nvPicPr>
-          <p:cNvPr id="4" name="Picture 3"/>
-          <p:cNvPicPr>
-            <a:picLocks noChangeAspect="1"/>
-          </p:cNvPicPr>
-          <p:nvPr/>
-        </p:nvPicPr>
-        <p:blipFill>
-          <a:blip r:embed="rId2"/>
-          <a:stretch>
-            <a:fillRect/>
-          </a:stretch>
-        </p:blipFill>
-        <p:spPr>
-          <a:xfrm>
-            <a:off x="832901" y="0"/>
-            <a:ext cx="9650502" cy="2367305"/>
-          </a:xfrm>
-          <a:prstGeom prst="rect">
-            <a:avLst/>
-          </a:prstGeom>
-        </p:spPr>
-      </p:pic>
-      <p:pic>
-        <p:nvPicPr>
-          <p:cNvPr id="5" name="Picture 4"/>
-          <p:cNvPicPr>
-            <a:picLocks noChangeAspect="1"/>
-          </p:cNvPicPr>
-          <p:nvPr/>
-        </p:nvPicPr>
-        <p:blipFill>
-          <a:blip r:embed="rId3"/>
-          <a:stretch>
-            <a:fillRect/>
-          </a:stretch>
-        </p:blipFill>
-        <p:spPr>
-          <a:xfrm>
-            <a:off x="832901" y="3376955"/>
-            <a:ext cx="9830806" cy="2432820"/>
-          </a:xfrm>
-          <a:prstGeom prst="rect">
-            <a:avLst/>
-          </a:prstGeom>
-        </p:spPr>
-      </p:pic>
-      <p:pic>
-        <p:nvPicPr>
-          <p:cNvPr id="8" name="Picture 7"/>
-          <p:cNvPicPr>
-            <a:picLocks noChangeAspect="1"/>
-          </p:cNvPicPr>
-          <p:nvPr/>
-        </p:nvPicPr>
-        <p:blipFill>
-          <a:blip r:embed="rId4"/>
-          <a:stretch>
-            <a:fillRect/>
-          </a:stretch>
-        </p:blipFill>
-        <p:spPr>
-          <a:xfrm>
-            <a:off x="1021053" y="5778204"/>
-            <a:ext cx="7677150" cy="962025"/>
-          </a:xfrm>
-          <a:prstGeom prst="rect">
-            <a:avLst/>
-          </a:prstGeom>
-        </p:spPr>
-      </p:pic>
-      <p:pic>
-        <p:nvPicPr>
-          <p:cNvPr id="9" name="Picture 8"/>
-          <p:cNvPicPr>
-            <a:picLocks noChangeAspect="1"/>
-          </p:cNvPicPr>
-          <p:nvPr/>
-        </p:nvPicPr>
-        <p:blipFill>
-          <a:blip r:embed="rId5"/>
-          <a:stretch>
-            <a:fillRect/>
-          </a:stretch>
-        </p:blipFill>
-        <p:spPr>
-          <a:xfrm>
-            <a:off x="1021053" y="2367305"/>
-            <a:ext cx="7562850" cy="914400"/>
-          </a:xfrm>
-          <a:prstGeom prst="rect">
-            <a:avLst/>
-          </a:prstGeom>
-        </p:spPr>
-      </p:pic>
-      <p:sp>
-        <p:nvSpPr>
-          <p:cNvPr id="11" name="Footer Placeholder 10"/>
-          <p:cNvSpPr>
-            <a:spLocks noGrp="1"/>
-          </p:cNvSpPr>
-          <p:nvPr>
-            <p:ph type="ftr" sz="quarter" idx="11"/>
-          </p:nvPr>
-        </p:nvSpPr>
-        <p:spPr>
-          <a:xfrm>
-            <a:off x="8583903" y="6454300"/>
-            <a:ext cx="4114800" cy="365125"/>
-          </a:xfrm>
-        </p:spPr>
-        <p:txBody>
-          <a:bodyPr/>
-          <a:lstStyle/>
-          <a:p>
-            <a:r>
-              <a:rPr lang="en-IN" dirty="0" smtClean="0"/>
-              <a:t>MOHAN SUNDARAM</a:t>
-            </a:r>
-            <a:endParaRPr lang="en-IN" dirty="0"/>
-          </a:p>
-        </p:txBody>
-      </p:sp>
-    </p:spTree>
-    <p:extLst>
-      <p:ext uri="{BB962C8B-B14F-4D97-AF65-F5344CB8AC3E}">
-        <p14:creationId xmlns:p14="http://schemas.microsoft.com/office/powerpoint/2010/main" val="2643923191"/>
-      </p:ext>
-    </p:extLst>
-  </p:cSld>
-  <p:clrMapOvr>
-    <a:masterClrMapping/>
-  </p:clrMapOvr>
-</p:sld>
-</file>
-
-<file path=ppt/slides/slide9.xml><?xml version="1.0" encoding="utf-8"?>
-<p:sld xmlns:a="http://schemas.openxmlformats.org/drawingml/2006/main" xmlns:r="http://schemas.openxmlformats.org/officeDocument/2006/relationships" xmlns:p="http://schemas.openxmlformats.org/presentationml/2006/main">
-  <p:cSld>
-    <p:spTree>
-      <p:nvGrpSpPr>
-        <p:cNvPr id="1" name=""/>
-        <p:cNvGrpSpPr/>
-        <p:nvPr/>
-      </p:nvGrpSpPr>
-      <p:grpSpPr>
-        <a:xfrm>
-          <a:off x="0" y="0"/>
-          <a:ext cx="0" cy="0"/>
-          <a:chOff x="0" y="0"/>
-          <a:chExt cx="0" cy="0"/>
-        </a:xfrm>
-      </p:grpSpPr>
-      <p:pic>
-        <p:nvPicPr>
-          <p:cNvPr id="7" name="Picture 6"/>
-          <p:cNvPicPr>
-            <a:picLocks noChangeAspect="1"/>
-          </p:cNvPicPr>
-          <p:nvPr/>
-        </p:nvPicPr>
-        <p:blipFill>
-          <a:blip r:embed="rId2"/>
-          <a:stretch>
-            <a:fillRect/>
-          </a:stretch>
-        </p:blipFill>
-        <p:spPr>
-          <a:xfrm>
-            <a:off x="6229551" y="1060427"/>
-            <a:ext cx="5749282" cy="4821328"/>
-          </a:xfrm>
-          <a:prstGeom prst="rect">
-            <a:avLst/>
-          </a:prstGeom>
-        </p:spPr>
-      </p:pic>
-      <p:pic>
-        <p:nvPicPr>
-          <p:cNvPr id="8" name="Picture 7"/>
-          <p:cNvPicPr>
-            <a:picLocks noChangeAspect="1"/>
-          </p:cNvPicPr>
-          <p:nvPr/>
-        </p:nvPicPr>
-        <p:blipFill>
-          <a:blip r:embed="rId3"/>
-          <a:stretch>
-            <a:fillRect/>
-          </a:stretch>
-        </p:blipFill>
-        <p:spPr>
-          <a:xfrm>
-            <a:off x="414537" y="1131320"/>
-            <a:ext cx="5815014" cy="4750435"/>
-          </a:xfrm>
-          <a:prstGeom prst="rect">
-            <a:avLst/>
-          </a:prstGeom>
-        </p:spPr>
-      </p:pic>
-      <p:sp>
-        <p:nvSpPr>
-          <p:cNvPr id="9" name="object 26"/>
-          <p:cNvSpPr txBox="1">
-            <a:spLocks noGrp="1"/>
-          </p:cNvSpPr>
-          <p:nvPr>
-            <p:ph type="title"/>
-          </p:nvPr>
-        </p:nvSpPr>
-        <p:spPr>
-          <a:xfrm>
-            <a:off x="664380" y="248828"/>
-            <a:ext cx="3714481" cy="630287"/>
-          </a:xfrm>
-          <a:prstGeom prst="rect">
-            <a:avLst/>
-          </a:prstGeom>
-        </p:spPr>
-        <p:txBody>
-          <a:bodyPr vert="horz" wrap="square" lIns="0" tIns="14591" rIns="0" bIns="0" rtlCol="0" anchor="ctr">
-            <a:spAutoFit/>
-          </a:bodyPr>
-          <a:lstStyle/>
-          <a:p>
-            <a:pPr marL="10809" algn="ctr">
-              <a:lnSpc>
-                <a:spcPct val="100000"/>
-              </a:lnSpc>
-              <a:spcBef>
-                <a:spcPts val="115"/>
-              </a:spcBef>
-            </a:pPr>
-            <a:r>
-              <a:rPr lang="en-US" sz="2000" b="1" dirty="0" smtClean="0">
-                <a:solidFill>
-                  <a:srgbClr val="474747"/>
-                </a:solidFill>
-                <a:latin typeface="Roboto"/>
-                <a:cs typeface="Roboto"/>
-              </a:rPr>
-              <a:t>Regular Growth SIP CAGR Return</a:t>
-            </a:r>
-            <a:endParaRPr sz="2000" dirty="0">
-              <a:latin typeface="Roboto"/>
-              <a:cs typeface="Roboto"/>
-            </a:endParaRPr>
-          </a:p>
-        </p:txBody>
-      </p:sp>
-      <p:sp>
-        <p:nvSpPr>
-          <p:cNvPr id="10" name="object 26"/>
-          <p:cNvSpPr txBox="1">
-            <a:spLocks/>
-          </p:cNvSpPr>
-          <p:nvPr/>
-        </p:nvSpPr>
-        <p:spPr>
-          <a:xfrm>
-            <a:off x="7057623" y="248827"/>
-            <a:ext cx="3477295" cy="630287"/>
-          </a:xfrm>
-          <a:prstGeom prst="rect">
-            <a:avLst/>
-          </a:prstGeom>
-        </p:spPr>
-        <p:txBody>
-          <a:bodyPr vert="horz" wrap="square" lIns="0" tIns="14591" rIns="0" bIns="0" rtlCol="0" anchor="ctr">
-            <a:spAutoFit/>
-          </a:bodyPr>
-          <a:lstStyle>
-            <a:lvl1pPr algn="l" defTabSz="914400" rtl="0" eaLnBrk="1" latinLnBrk="0" hangingPunct="1">
-              <a:lnSpc>
-                <a:spcPct val="90000"/>
-              </a:lnSpc>
-              <a:spcBef>
-                <a:spcPct val="0"/>
-              </a:spcBef>
-              <a:buNone/>
-              <a:defRPr sz="4400" kern="1200">
-                <a:solidFill>
-                  <a:schemeClr val="tx1"/>
-                </a:solidFill>
-                <a:latin typeface="+mj-lt"/>
-                <a:ea typeface="+mj-ea"/>
-                <a:cs typeface="+mj-cs"/>
-              </a:defRPr>
-            </a:lvl1pPr>
-          </a:lstStyle>
-          <a:p>
-            <a:pPr marL="10809">
-              <a:lnSpc>
-                <a:spcPct val="100000"/>
-              </a:lnSpc>
-              <a:spcBef>
-                <a:spcPts val="115"/>
-              </a:spcBef>
-            </a:pPr>
-            <a:r>
-              <a:rPr lang="en-US" sz="2000" b="1" dirty="0" smtClean="0">
-                <a:solidFill>
-                  <a:srgbClr val="474747"/>
-                </a:solidFill>
-                <a:latin typeface="Roboto"/>
-                <a:cs typeface="Roboto"/>
-              </a:rPr>
-              <a:t>Direct Growth SIP CAGR Higher </a:t>
-            </a:r>
-            <a:r>
-              <a:rPr lang="en-US" sz="2000" b="1" dirty="0" smtClean="0">
-                <a:solidFill>
-                  <a:srgbClr val="474747"/>
-                </a:solidFill>
-                <a:latin typeface="Roboto"/>
-                <a:cs typeface="Roboto"/>
-              </a:rPr>
-              <a:t>Return </a:t>
-            </a:r>
-            <a:r>
-              <a:rPr lang="en-US" sz="2000" b="1" dirty="0" smtClean="0">
-                <a:solidFill>
-                  <a:srgbClr val="00B050"/>
-                </a:solidFill>
-                <a:latin typeface="Roboto"/>
-                <a:cs typeface="Roboto"/>
-              </a:rPr>
-              <a:t>1,83,42,480</a:t>
-            </a:r>
-            <a:endParaRPr lang="en-US" sz="2000" dirty="0">
-              <a:solidFill>
-                <a:srgbClr val="00B050"/>
-              </a:solidFill>
-              <a:latin typeface="Roboto"/>
-              <a:cs typeface="Roboto"/>
-            </a:endParaRPr>
-          </a:p>
-        </p:txBody>
-      </p:sp>
-      <p:sp>
-        <p:nvSpPr>
-          <p:cNvPr id="11" name="Rectangle 10"/>
-          <p:cNvSpPr/>
-          <p:nvPr/>
-        </p:nvSpPr>
-        <p:spPr>
-          <a:xfrm>
-            <a:off x="358175" y="6296627"/>
-            <a:ext cx="3589188" cy="307777"/>
-          </a:xfrm>
-          <a:prstGeom prst="rect">
-            <a:avLst/>
-          </a:prstGeom>
-        </p:spPr>
-        <p:txBody>
-          <a:bodyPr wrap="none">
-            <a:spAutoFit/>
-          </a:bodyPr>
-          <a:lstStyle/>
-          <a:p>
-            <a:r>
-              <a:rPr lang="en-US" sz="1400" b="1" i="0" dirty="0" smtClean="0">
-                <a:solidFill>
-                  <a:srgbClr val="001D35"/>
-                </a:solidFill>
-                <a:effectLst/>
-                <a:latin typeface="Google Sans"/>
-              </a:rPr>
-              <a:t>Compound Annual Growth Rate (CAGR)</a:t>
-            </a:r>
-            <a:endParaRPr lang="en-IN" sz="1400" b="1" dirty="0"/>
-          </a:p>
-        </p:txBody>
-      </p:sp>
-      <p:sp>
-        <p:nvSpPr>
-          <p:cNvPr id="12" name="Footer Placeholder 11"/>
-          <p:cNvSpPr>
-            <a:spLocks noGrp="1"/>
-          </p:cNvSpPr>
-          <p:nvPr>
-            <p:ph type="ftr" sz="quarter" idx="11"/>
-          </p:nvPr>
-        </p:nvSpPr>
-        <p:spPr/>
-        <p:txBody>
-          <a:bodyPr/>
-          <a:lstStyle/>
-          <a:p>
-            <a:r>
-              <a:rPr lang="en-IN" smtClean="0"/>
-              <a:t>MOHAN SUNDARAM</a:t>
-            </a:r>
-            <a:endParaRPr lang="en-IN"/>
-          </a:p>
-        </p:txBody>
-      </p:sp>
-    </p:spTree>
-    <p:extLst>
-      <p:ext uri="{BB962C8B-B14F-4D97-AF65-F5344CB8AC3E}">
-        <p14:creationId xmlns:p14="http://schemas.microsoft.com/office/powerpoint/2010/main" val="1159096532"/>
       </p:ext>
     </p:extLst>
   </p:cSld>

--- a/Mutual Fund.pptx
+++ b/Mutual Fund.pptx
@@ -5,7 +5,7 @@
     <p:sldMasterId id="2147483648" r:id="rId1"/>
   </p:sldMasterIdLst>
   <p:notesMasterIdLst>
-    <p:notesMasterId r:id="rId17"/>
+    <p:notesMasterId r:id="rId18"/>
   </p:notesMasterIdLst>
   <p:sldIdLst>
     <p:sldId id="260" r:id="rId2"/>
@@ -21,8 +21,9 @@
     <p:sldId id="264" r:id="rId12"/>
     <p:sldId id="265" r:id="rId13"/>
     <p:sldId id="266" r:id="rId14"/>
-    <p:sldId id="267" r:id="rId15"/>
-    <p:sldId id="262" r:id="rId16"/>
+    <p:sldId id="271" r:id="rId15"/>
+    <p:sldId id="267" r:id="rId16"/>
+    <p:sldId id="262" r:id="rId17"/>
   </p:sldIdLst>
   <p:sldSz cx="12192000" cy="6858000"/>
   <p:notesSz cx="6858000" cy="9144000"/>
@@ -211,7 +212,7 @@
           <a:p>
             <a:fld id="{5D1219AE-FC78-4BBD-9F14-DACA67C040BA}" type="datetimeFigureOut">
               <a:rPr lang="en-IN" smtClean="0"/>
-              <a:t>23-11-2025</a:t>
+              <a:t>29-11-2025</a:t>
             </a:fld>
             <a:endParaRPr lang="en-IN"/>
           </a:p>
@@ -694,7 +695,7 @@
           <a:p>
             <a:fld id="{FB8CF0BC-5554-4B26-B2EC-47006BA429F0}" type="datetime1">
               <a:rPr lang="en-IN" smtClean="0"/>
-              <a:t>23-11-2025</a:t>
+              <a:t>29-11-2025</a:t>
             </a:fld>
             <a:endParaRPr lang="en-IN"/>
           </a:p>
@@ -868,7 +869,7 @@
           <a:p>
             <a:fld id="{78CE7C12-1AF5-4A33-817C-EB56A511E0B5}" type="datetime1">
               <a:rPr lang="en-IN" smtClean="0"/>
-              <a:t>23-11-2025</a:t>
+              <a:t>29-11-2025</a:t>
             </a:fld>
             <a:endParaRPr lang="en-IN"/>
           </a:p>
@@ -1052,7 +1053,7 @@
           <a:p>
             <a:fld id="{67BCC667-D9B3-45A2-BE23-0496F1B8E02C}" type="datetime1">
               <a:rPr lang="en-IN" smtClean="0"/>
-              <a:t>23-11-2025</a:t>
+              <a:t>29-11-2025</a:t>
             </a:fld>
             <a:endParaRPr lang="en-IN"/>
           </a:p>
@@ -1226,7 +1227,7 @@
           <a:p>
             <a:fld id="{B0B9A693-82B4-46FF-9209-02989CEF1FF1}" type="datetime1">
               <a:rPr lang="en-IN" smtClean="0"/>
-              <a:t>23-11-2025</a:t>
+              <a:t>29-11-2025</a:t>
             </a:fld>
             <a:endParaRPr lang="en-IN"/>
           </a:p>
@@ -1476,7 +1477,7 @@
           <a:p>
             <a:fld id="{CB94AA2F-EA3B-4184-88DB-915A71AFA41A}" type="datetime1">
               <a:rPr lang="en-IN" smtClean="0"/>
-              <a:t>23-11-2025</a:t>
+              <a:t>29-11-2025</a:t>
             </a:fld>
             <a:endParaRPr lang="en-IN"/>
           </a:p>
@@ -1712,7 +1713,7 @@
           <a:p>
             <a:fld id="{3E6E9361-9A57-48B2-9A9E-9E7443FBCEE1}" type="datetime1">
               <a:rPr lang="en-IN" smtClean="0"/>
-              <a:t>23-11-2025</a:t>
+              <a:t>29-11-2025</a:t>
             </a:fld>
             <a:endParaRPr lang="en-IN"/>
           </a:p>
@@ -2083,7 +2084,7 @@
           <a:p>
             <a:fld id="{84299E35-AE75-4646-90A4-FCE9568A93D6}" type="datetime1">
               <a:rPr lang="en-IN" smtClean="0"/>
-              <a:t>23-11-2025</a:t>
+              <a:t>29-11-2025</a:t>
             </a:fld>
             <a:endParaRPr lang="en-IN"/>
           </a:p>
@@ -2205,7 +2206,7 @@
           <a:p>
             <a:fld id="{B8721071-CAB9-40CE-BD98-0662E14D21CD}" type="datetime1">
               <a:rPr lang="en-IN" smtClean="0"/>
-              <a:t>23-11-2025</a:t>
+              <a:t>29-11-2025</a:t>
             </a:fld>
             <a:endParaRPr lang="en-IN"/>
           </a:p>
@@ -2304,7 +2305,7 @@
           <a:p>
             <a:fld id="{D6CE2C04-C1CC-4672-A89F-29EAB5537B1A}" type="datetime1">
               <a:rPr lang="en-IN" smtClean="0"/>
-              <a:t>23-11-2025</a:t>
+              <a:t>29-11-2025</a:t>
             </a:fld>
             <a:endParaRPr lang="en-IN"/>
           </a:p>
@@ -2585,7 +2586,7 @@
           <a:p>
             <a:fld id="{FAB8E869-DC77-4ABB-92C0-E300510314EC}" type="datetime1">
               <a:rPr lang="en-IN" smtClean="0"/>
-              <a:t>23-11-2025</a:t>
+              <a:t>29-11-2025</a:t>
             </a:fld>
             <a:endParaRPr lang="en-IN"/>
           </a:p>
@@ -2842,7 +2843,7 @@
           <a:p>
             <a:fld id="{164F11C4-6BC1-4FFB-AA8B-EA14D9C9CBCE}" type="datetime1">
               <a:rPr lang="en-IN" smtClean="0"/>
-              <a:t>23-11-2025</a:t>
+              <a:t>29-11-2025</a:t>
             </a:fld>
             <a:endParaRPr lang="en-IN"/>
           </a:p>
@@ -3059,7 +3060,7 @@
           <a:p>
             <a:fld id="{39EE36DA-4152-48E5-9666-8F310E8C37C6}" type="datetime1">
               <a:rPr lang="en-IN" smtClean="0"/>
-              <a:t>23-11-2025</a:t>
+              <a:t>29-11-2025</a:t>
             </a:fld>
             <a:endParaRPr lang="en-IN"/>
           </a:p>
@@ -10139,10 +10140,251 @@
   <p:clrMapOvr>
     <a:masterClrMapping/>
   </p:clrMapOvr>
+  <p:timing>
+    <p:tnLst>
+      <p:par>
+        <p:cTn id="1" dur="indefinite" restart="never" nodeType="tmRoot"/>
+      </p:par>
+    </p:tnLst>
+  </p:timing>
 </p:sld>
 </file>
 
 <file path=ppt/slides/slide14.xml><?xml version="1.0" encoding="utf-8"?>
+<p:sld xmlns:a="http://schemas.openxmlformats.org/drawingml/2006/main" xmlns:r="http://schemas.openxmlformats.org/officeDocument/2006/relationships" xmlns:p="http://schemas.openxmlformats.org/presentationml/2006/main">
+  <p:cSld>
+    <p:spTree>
+      <p:nvGrpSpPr>
+        <p:cNvPr id="1" name=""/>
+        <p:cNvGrpSpPr/>
+        <p:nvPr/>
+      </p:nvGrpSpPr>
+      <p:grpSpPr>
+        <a:xfrm>
+          <a:off x="0" y="0"/>
+          <a:ext cx="0" cy="0"/>
+          <a:chOff x="0" y="0"/>
+          <a:chExt cx="0" cy="0"/>
+        </a:xfrm>
+      </p:grpSpPr>
+      <p:sp>
+        <p:nvSpPr>
+          <p:cNvPr id="2" name="Title 1"/>
+          <p:cNvSpPr>
+            <a:spLocks noGrp="1"/>
+          </p:cNvSpPr>
+          <p:nvPr>
+            <p:ph type="title"/>
+          </p:nvPr>
+        </p:nvSpPr>
+        <p:spPr>
+          <a:xfrm>
+            <a:off x="237451" y="361593"/>
+            <a:ext cx="3693242" cy="431395"/>
+          </a:xfrm>
+          <a:solidFill>
+            <a:schemeClr val="accent3">
+              <a:lumMod val="40000"/>
+              <a:lumOff val="60000"/>
+            </a:schemeClr>
+          </a:solidFill>
+        </p:spPr>
+        <p:txBody>
+          <a:bodyPr>
+            <a:normAutofit fontScale="90000"/>
+          </a:bodyPr>
+          <a:lstStyle/>
+          <a:p>
+            <a:r>
+              <a:rPr lang="en-IN" sz="2800" b="1" dirty="0" smtClean="0"/>
+              <a:t>Finance Net worth </a:t>
+            </a:r>
+            <a:r>
+              <a:rPr lang="en-US" sz="2800" b="1" dirty="0" smtClean="0"/>
+              <a:t>Tracker:-</a:t>
+            </a:r>
+            <a:endParaRPr lang="en-IN" sz="2800" b="1" dirty="0"/>
+          </a:p>
+        </p:txBody>
+      </p:sp>
+      <p:sp>
+        <p:nvSpPr>
+          <p:cNvPr id="3" name="Content Placeholder 2"/>
+          <p:cNvSpPr>
+            <a:spLocks noGrp="1"/>
+          </p:cNvSpPr>
+          <p:nvPr>
+            <p:ph idx="1"/>
+          </p:nvPr>
+        </p:nvSpPr>
+        <p:spPr>
+          <a:xfrm>
+            <a:off x="196178" y="5304060"/>
+            <a:ext cx="10515600" cy="852041"/>
+          </a:xfrm>
+        </p:spPr>
+        <p:txBody>
+          <a:bodyPr>
+            <a:normAutofit/>
+          </a:bodyPr>
+          <a:lstStyle/>
+          <a:p>
+            <a:pPr marL="0" indent="0">
+              <a:buNone/>
+            </a:pPr>
+            <a:r>
+              <a:rPr lang="en-US" sz="2000" b="1" dirty="0" smtClean="0"/>
+              <a:t>Please download XL file below link.</a:t>
+            </a:r>
+            <a:endParaRPr lang="en-US" sz="2000" b="1" dirty="0"/>
+          </a:p>
+          <a:p>
+            <a:pPr marL="0" indent="0">
+              <a:buNone/>
+            </a:pPr>
+            <a:r>
+              <a:rPr lang="en-IN" sz="1600" dirty="0">
+                <a:hlinkClick r:id="rId2"/>
+              </a:rPr>
+              <a:t>https://</a:t>
+            </a:r>
+            <a:r>
+              <a:rPr lang="en-IN" sz="1600" dirty="0" smtClean="0">
+                <a:hlinkClick r:id="rId2"/>
+              </a:rPr>
+              <a:t>github.com/mohan4295work/Doc/blob/main/Finance-Networth-Sample.xlsx</a:t>
+            </a:r>
+            <a:endParaRPr lang="en-IN" sz="1600" dirty="0" smtClean="0"/>
+          </a:p>
+          <a:p>
+            <a:pPr marL="0" indent="0">
+              <a:buNone/>
+            </a:pPr>
+            <a:endParaRPr lang="en-IN" sz="1600" dirty="0"/>
+          </a:p>
+        </p:txBody>
+      </p:sp>
+      <p:sp>
+        <p:nvSpPr>
+          <p:cNvPr id="4" name="Footer Placeholder 3"/>
+          <p:cNvSpPr>
+            <a:spLocks noGrp="1"/>
+          </p:cNvSpPr>
+          <p:nvPr>
+            <p:ph type="ftr" sz="quarter" idx="11"/>
+          </p:nvPr>
+        </p:nvSpPr>
+        <p:spPr/>
+        <p:txBody>
+          <a:bodyPr/>
+          <a:lstStyle/>
+          <a:p>
+            <a:r>
+              <a:rPr lang="en-IN" smtClean="0"/>
+              <a:t>MOHAN SUNDARAM</a:t>
+            </a:r>
+            <a:endParaRPr lang="en-IN"/>
+          </a:p>
+        </p:txBody>
+      </p:sp>
+      <p:pic>
+        <p:nvPicPr>
+          <p:cNvPr id="5" name="Picture 4"/>
+          <p:cNvPicPr>
+            <a:picLocks noChangeAspect="1"/>
+          </p:cNvPicPr>
+          <p:nvPr/>
+        </p:nvPicPr>
+        <p:blipFill>
+          <a:blip r:embed="rId3"/>
+          <a:stretch>
+            <a:fillRect/>
+          </a:stretch>
+        </p:blipFill>
+        <p:spPr>
+          <a:xfrm>
+            <a:off x="98089" y="2147593"/>
+            <a:ext cx="11995822" cy="1107582"/>
+          </a:xfrm>
+          <a:prstGeom prst="rect">
+            <a:avLst/>
+          </a:prstGeom>
+        </p:spPr>
+      </p:pic>
+      <p:pic>
+        <p:nvPicPr>
+          <p:cNvPr id="6" name="Picture 5"/>
+          <p:cNvPicPr>
+            <a:picLocks noChangeAspect="1"/>
+          </p:cNvPicPr>
+          <p:nvPr/>
+        </p:nvPicPr>
+        <p:blipFill>
+          <a:blip r:embed="rId4"/>
+          <a:stretch>
+            <a:fillRect/>
+          </a:stretch>
+        </p:blipFill>
+        <p:spPr>
+          <a:xfrm>
+            <a:off x="237451" y="3455424"/>
+            <a:ext cx="11717098" cy="1514598"/>
+          </a:xfrm>
+          <a:prstGeom prst="rect">
+            <a:avLst/>
+          </a:prstGeom>
+        </p:spPr>
+      </p:pic>
+      <p:sp>
+        <p:nvSpPr>
+          <p:cNvPr id="7" name="Rectangle 6"/>
+          <p:cNvSpPr/>
+          <p:nvPr/>
+        </p:nvSpPr>
+        <p:spPr>
+          <a:xfrm>
+            <a:off x="976487" y="993237"/>
+            <a:ext cx="10050783" cy="954107"/>
+          </a:xfrm>
+          <a:prstGeom prst="rect">
+            <a:avLst/>
+          </a:prstGeom>
+        </p:spPr>
+        <p:txBody>
+          <a:bodyPr wrap="square">
+            <a:spAutoFit/>
+          </a:bodyPr>
+          <a:lstStyle/>
+          <a:p>
+            <a:r>
+              <a:rPr lang="en-US" sz="2800" dirty="0"/>
+              <a:t>A Finance Net Worth Tracker that steadily builds your investment confidence and develops a healthy spending culture.</a:t>
+            </a:r>
+            <a:endParaRPr lang="en-IN" sz="2800" dirty="0"/>
+          </a:p>
+        </p:txBody>
+      </p:sp>
+    </p:spTree>
+    <p:extLst>
+      <p:ext uri="{BB962C8B-B14F-4D97-AF65-F5344CB8AC3E}">
+        <p14:creationId xmlns:p14="http://schemas.microsoft.com/office/powerpoint/2010/main" val="3918391151"/>
+      </p:ext>
+    </p:extLst>
+  </p:cSld>
+  <p:clrMapOvr>
+    <a:masterClrMapping/>
+  </p:clrMapOvr>
+  <p:timing>
+    <p:tnLst>
+      <p:par>
+        <p:cTn id="1" dur="indefinite" restart="never" nodeType="tmRoot"/>
+      </p:par>
+    </p:tnLst>
+  </p:timing>
+</p:sld>
+</file>
+
+<file path=ppt/slides/slide15.xml><?xml version="1.0" encoding="utf-8"?>
 <p:sld xmlns:a="http://schemas.openxmlformats.org/drawingml/2006/main" xmlns:r="http://schemas.openxmlformats.org/officeDocument/2006/relationships" xmlns:p="http://schemas.openxmlformats.org/presentationml/2006/main">
   <p:cSld>
     <p:spTree>
@@ -10191,13 +10433,7 @@
               <a:rPr lang="en-US" sz="2000" b="1" dirty="0" smtClean="0">
                 <a:latin typeface="Bahnschrift Light" panose="020B0502040204020203" pitchFamily="34" charset="0"/>
               </a:rPr>
-              <a:t> Mutual Fund Approved </a:t>
-            </a:r>
-            <a:r>
-              <a:rPr lang="en-US" sz="2000" b="1" dirty="0" smtClean="0">
-                <a:latin typeface="Bahnschrift Light" panose="020B0502040204020203" pitchFamily="34" charset="0"/>
-              </a:rPr>
-              <a:t>Website </a:t>
+              <a:t> Mutual Fund Approved Website </a:t>
             </a:r>
             <a:endParaRPr lang="en-IN" sz="2000" b="1" dirty="0">
               <a:latin typeface="Bahnschrift Light" panose="020B0502040204020203" pitchFamily="34" charset="0"/>
@@ -10865,10 +11101,17 @@
   <p:clrMapOvr>
     <a:masterClrMapping/>
   </p:clrMapOvr>
+  <p:timing>
+    <p:tnLst>
+      <p:par>
+        <p:cTn id="1" dur="indefinite" restart="never" nodeType="tmRoot"/>
+      </p:par>
+    </p:tnLst>
+  </p:timing>
 </p:sld>
 </file>
 
-<file path=ppt/slides/slide15.xml><?xml version="1.0" encoding="utf-8"?>
+<file path=ppt/slides/slide16.xml><?xml version="1.0" encoding="utf-8"?>
 <p:sld xmlns:a="http://schemas.openxmlformats.org/drawingml/2006/main" xmlns:r="http://schemas.openxmlformats.org/officeDocument/2006/relationships" xmlns:p="http://schemas.openxmlformats.org/presentationml/2006/main">
   <p:cSld>
     <p:spTree>
@@ -15115,11 +15358,7 @@
             <a:pPr algn="ctr"/>
             <a:r>
               <a:rPr lang="en-IN" sz="2800" b="1" dirty="0"/>
-              <a:t>Mutual </a:t>
-            </a:r>
-            <a:r>
-              <a:rPr lang="en-IN" sz="2800" b="1" dirty="0"/>
-              <a:t>F</a:t>
+              <a:t>Mutual F</a:t>
             </a:r>
             <a:r>
               <a:rPr lang="en-IN" sz="2800" b="1" dirty="0" smtClean="0"/>
@@ -18693,8 +18932,8 @@
         </p:nvSpPr>
         <p:spPr>
           <a:xfrm>
-            <a:off x="90157" y="421187"/>
-            <a:ext cx="7477687" cy="2003112"/>
+            <a:off x="-526676" y="282464"/>
+            <a:ext cx="8063243" cy="2003112"/>
           </a:xfrm>
           <a:prstGeom prst="rect">
             <a:avLst/>
@@ -18779,9 +19018,9 @@
               </a:tabLst>
             </a:pPr>
             <a:r>
-              <a:rPr lang="en-US" sz="1400" dirty="0" smtClean="0">
-                <a:solidFill>
-                  <a:srgbClr val="212121"/>
+              <a:rPr lang="en-US" sz="1400" b="1" dirty="0" smtClean="0">
+                <a:solidFill>
+                  <a:srgbClr val="C00000"/>
                 </a:solidFill>
                 <a:latin typeface="Tahoma"/>
                 <a:cs typeface="Tahoma"/>
@@ -18789,9 +19028,9 @@
               <a:t>Large</a:t>
             </a:r>
             <a:r>
-              <a:rPr lang="en-US" sz="1400" spc="10" dirty="0" smtClean="0">
-                <a:solidFill>
-                  <a:srgbClr val="212121"/>
+              <a:rPr lang="en-US" sz="1400" b="1" spc="10" dirty="0" smtClean="0">
+                <a:solidFill>
+                  <a:srgbClr val="C00000"/>
                 </a:solidFill>
                 <a:latin typeface="Tahoma"/>
                 <a:cs typeface="Tahoma"/>
@@ -18799,9 +19038,9 @@
               <a:t> </a:t>
             </a:r>
             <a:r>
-              <a:rPr lang="en-US" sz="1400" spc="70" dirty="0" smtClean="0">
-                <a:solidFill>
-                  <a:srgbClr val="212121"/>
+              <a:rPr lang="en-US" sz="1400" b="1" spc="70" dirty="0" smtClean="0">
+                <a:solidFill>
+                  <a:srgbClr val="C00000"/>
                 </a:solidFill>
                 <a:latin typeface="Tahoma"/>
                 <a:cs typeface="Tahoma"/>
@@ -18809,9 +19048,9 @@
               <a:t>Cap</a:t>
             </a:r>
             <a:r>
-              <a:rPr lang="en-US" sz="1400" spc="10" dirty="0" smtClean="0">
-                <a:solidFill>
-                  <a:srgbClr val="212121"/>
+              <a:rPr lang="en-US" sz="1400" b="1" spc="10" dirty="0" smtClean="0">
+                <a:solidFill>
+                  <a:srgbClr val="C00000"/>
                 </a:solidFill>
                 <a:latin typeface="Tahoma"/>
                 <a:cs typeface="Tahoma"/>
@@ -18819,9 +19058,9 @@
               <a:t> </a:t>
             </a:r>
             <a:r>
-              <a:rPr lang="en-US" sz="1400" dirty="0" smtClean="0">
-                <a:solidFill>
-                  <a:srgbClr val="212121"/>
+              <a:rPr lang="en-US" sz="1400" b="1" dirty="0" smtClean="0">
+                <a:solidFill>
+                  <a:srgbClr val="C00000"/>
                 </a:solidFill>
                 <a:latin typeface="Tahoma"/>
                 <a:cs typeface="Tahoma"/>
@@ -18829,9 +19068,9 @@
               <a:t>Funds:</a:t>
             </a:r>
             <a:r>
-              <a:rPr lang="en-US" sz="1400" spc="95" dirty="0" smtClean="0">
-                <a:solidFill>
-                  <a:srgbClr val="212121"/>
+              <a:rPr lang="en-US" sz="1400" b="1" spc="95" dirty="0" smtClean="0">
+                <a:solidFill>
+                  <a:srgbClr val="C00000"/>
                 </a:solidFill>
                 <a:latin typeface="Tahoma"/>
                 <a:cs typeface="Tahoma"/>
@@ -18839,9 +19078,9 @@
               <a:t> </a:t>
             </a:r>
             <a:r>
-              <a:rPr lang="en-US" sz="1400" spc="-10" dirty="0" smtClean="0">
-                <a:solidFill>
-                  <a:srgbClr val="212121"/>
+              <a:rPr lang="en-US" sz="1400" b="1" spc="-10" dirty="0" smtClean="0">
+                <a:solidFill>
+                  <a:srgbClr val="C00000"/>
                 </a:solidFill>
                 <a:latin typeface="Tahoma"/>
                 <a:cs typeface="Tahoma"/>
@@ -18849,9 +19088,9 @@
               <a:t>Invest</a:t>
             </a:r>
             <a:r>
-              <a:rPr lang="en-US" sz="1400" spc="25" dirty="0" smtClean="0">
-                <a:solidFill>
-                  <a:srgbClr val="212121"/>
+              <a:rPr lang="en-US" sz="1400" b="1" spc="25" dirty="0" smtClean="0">
+                <a:solidFill>
+                  <a:srgbClr val="C00000"/>
                 </a:solidFill>
                 <a:latin typeface="Tahoma"/>
                 <a:cs typeface="Tahoma"/>
@@ -18859,9 +19098,9 @@
               <a:t> </a:t>
             </a:r>
             <a:r>
-              <a:rPr lang="en-US" sz="1400" dirty="0" smtClean="0">
-                <a:solidFill>
-                  <a:srgbClr val="212121"/>
+              <a:rPr lang="en-US" sz="1400" b="1" dirty="0" smtClean="0">
+                <a:solidFill>
+                  <a:srgbClr val="C00000"/>
                 </a:solidFill>
                 <a:latin typeface="Tahoma"/>
                 <a:cs typeface="Tahoma"/>
@@ -18869,9 +19108,9 @@
               <a:t>in</a:t>
             </a:r>
             <a:r>
-              <a:rPr lang="en-US" sz="1400" spc="25" dirty="0" smtClean="0">
-                <a:solidFill>
-                  <a:srgbClr val="212121"/>
+              <a:rPr lang="en-US" sz="1400" b="1" spc="25" dirty="0" smtClean="0">
+                <a:solidFill>
+                  <a:srgbClr val="C00000"/>
                 </a:solidFill>
                 <a:latin typeface="Tahoma"/>
                 <a:cs typeface="Tahoma"/>
@@ -18879,9 +19118,9 @@
               <a:t> </a:t>
             </a:r>
             <a:r>
-              <a:rPr lang="en-US" sz="1400" spc="50" dirty="0" smtClean="0">
-                <a:solidFill>
-                  <a:srgbClr val="212121"/>
+              <a:rPr lang="en-US" sz="1400" b="1" spc="50" dirty="0" smtClean="0">
+                <a:solidFill>
+                  <a:srgbClr val="C00000"/>
                 </a:solidFill>
                 <a:latin typeface="Tahoma"/>
                 <a:cs typeface="Tahoma"/>
@@ -18889,9 +19128,9 @@
               <a:t>companies</a:t>
             </a:r>
             <a:r>
-              <a:rPr lang="en-US" sz="1400" spc="30" dirty="0" smtClean="0">
-                <a:solidFill>
-                  <a:srgbClr val="212121"/>
+              <a:rPr lang="en-US" sz="1400" b="1" spc="30" dirty="0" smtClean="0">
+                <a:solidFill>
+                  <a:srgbClr val="C00000"/>
                 </a:solidFill>
                 <a:latin typeface="Tahoma"/>
                 <a:cs typeface="Tahoma"/>
@@ -18899,9 +19138,9 @@
               <a:t> </a:t>
             </a:r>
             <a:r>
-              <a:rPr lang="en-US" sz="1400" dirty="0" smtClean="0">
-                <a:solidFill>
-                  <a:srgbClr val="212121"/>
+              <a:rPr lang="en-US" sz="1400" b="1" dirty="0" smtClean="0">
+                <a:solidFill>
+                  <a:srgbClr val="C00000"/>
                 </a:solidFill>
                 <a:latin typeface="Tahoma"/>
                 <a:cs typeface="Tahoma"/>
@@ -18909,9 +19148,9 @@
               <a:t>with</a:t>
             </a:r>
             <a:r>
-              <a:rPr lang="en-US" sz="1400" spc="20" dirty="0" smtClean="0">
-                <a:solidFill>
-                  <a:srgbClr val="212121"/>
+              <a:rPr lang="en-US" sz="1400" b="1" spc="20" dirty="0" smtClean="0">
+                <a:solidFill>
+                  <a:srgbClr val="C00000"/>
                 </a:solidFill>
                 <a:latin typeface="Tahoma"/>
                 <a:cs typeface="Tahoma"/>
@@ -18919,9 +19158,9 @@
               <a:t> </a:t>
             </a:r>
             <a:r>
-              <a:rPr lang="en-US" sz="1400" dirty="0" smtClean="0">
-                <a:solidFill>
-                  <a:srgbClr val="212121"/>
+              <a:rPr lang="en-US" sz="1400" b="1" dirty="0" smtClean="0">
+                <a:solidFill>
+                  <a:srgbClr val="C00000"/>
                 </a:solidFill>
                 <a:latin typeface="Tahoma"/>
                 <a:cs typeface="Tahoma"/>
@@ -18929,9 +19168,9 @@
               <a:t>large</a:t>
             </a:r>
             <a:r>
-              <a:rPr lang="en-US" sz="1400" spc="25" dirty="0" smtClean="0">
-                <a:solidFill>
-                  <a:srgbClr val="212121"/>
+              <a:rPr lang="en-US" sz="1400" b="1" spc="25" dirty="0" smtClean="0">
+                <a:solidFill>
+                  <a:srgbClr val="C00000"/>
                 </a:solidFill>
                 <a:latin typeface="Tahoma"/>
                 <a:cs typeface="Tahoma"/>
@@ -18939,9 +19178,9 @@
               <a:t> </a:t>
             </a:r>
             <a:r>
-              <a:rPr lang="en-US" sz="1400" dirty="0" smtClean="0">
-                <a:solidFill>
-                  <a:srgbClr val="212121"/>
+              <a:rPr lang="en-US" sz="1400" b="1" dirty="0" smtClean="0">
+                <a:solidFill>
+                  <a:srgbClr val="C00000"/>
                 </a:solidFill>
                 <a:latin typeface="Tahoma"/>
                 <a:cs typeface="Tahoma"/>
@@ -18949,9 +19188,9 @@
               <a:t>market</a:t>
             </a:r>
             <a:r>
-              <a:rPr lang="en-US" sz="1400" spc="30" dirty="0" smtClean="0">
-                <a:solidFill>
-                  <a:srgbClr val="212121"/>
+              <a:rPr lang="en-US" sz="1400" b="1" spc="30" dirty="0" smtClean="0">
+                <a:solidFill>
+                  <a:srgbClr val="C00000"/>
                 </a:solidFill>
                 <a:latin typeface="Tahoma"/>
                 <a:cs typeface="Tahoma"/>
@@ -18959,16 +19198,19 @@
               <a:t> </a:t>
             </a:r>
             <a:r>
-              <a:rPr lang="en-US" sz="1400" spc="-10" dirty="0" smtClean="0">
-                <a:solidFill>
-                  <a:srgbClr val="212121"/>
+              <a:rPr lang="en-US" sz="1400" b="1" spc="-10" dirty="0" smtClean="0">
+                <a:solidFill>
+                  <a:srgbClr val="C00000"/>
                 </a:solidFill>
                 <a:latin typeface="Tahoma"/>
                 <a:cs typeface="Tahoma"/>
               </a:rPr>
               <a:t>capitalization.</a:t>
             </a:r>
-            <a:endParaRPr lang="en-US" sz="1400" dirty="0" smtClean="0">
+            <a:endParaRPr lang="en-US" sz="1400" b="1" dirty="0" smtClean="0">
+              <a:solidFill>
+                <a:srgbClr val="C00000"/>
+              </a:solidFill>
               <a:latin typeface="Tahoma"/>
               <a:cs typeface="Tahoma"/>
             </a:endParaRPr>
@@ -18987,9 +19229,9 @@
               </a:tabLst>
             </a:pPr>
             <a:r>
-              <a:rPr lang="en-US" sz="1400" spc="125" dirty="0" smtClean="0">
-                <a:solidFill>
-                  <a:srgbClr val="212121"/>
+              <a:rPr lang="en-US" sz="1400" b="1" spc="125" dirty="0" smtClean="0">
+                <a:solidFill>
+                  <a:srgbClr val="C00000"/>
                 </a:solidFill>
                 <a:latin typeface="Tahoma"/>
                 <a:cs typeface="Tahoma"/>
@@ -18997,9 +19239,9 @@
               <a:t>Mid</a:t>
             </a:r>
             <a:r>
-              <a:rPr lang="en-US" sz="1400" dirty="0" smtClean="0">
-                <a:solidFill>
-                  <a:srgbClr val="212121"/>
+              <a:rPr lang="en-US" sz="1400" b="1" dirty="0" smtClean="0">
+                <a:solidFill>
+                  <a:srgbClr val="C00000"/>
                 </a:solidFill>
                 <a:latin typeface="Tahoma"/>
                 <a:cs typeface="Tahoma"/>
@@ -19007,9 +19249,9 @@
               <a:t> </a:t>
             </a:r>
             <a:r>
-              <a:rPr lang="en-US" sz="1400" spc="70" dirty="0" smtClean="0">
-                <a:solidFill>
-                  <a:srgbClr val="212121"/>
+              <a:rPr lang="en-US" sz="1400" b="1" spc="70" dirty="0" smtClean="0">
+                <a:solidFill>
+                  <a:srgbClr val="C00000"/>
                 </a:solidFill>
                 <a:latin typeface="Tahoma"/>
                 <a:cs typeface="Tahoma"/>
@@ -19017,9 +19259,9 @@
               <a:t>Cap</a:t>
             </a:r>
             <a:r>
-              <a:rPr lang="en-US" sz="1400" dirty="0" smtClean="0">
-                <a:solidFill>
-                  <a:srgbClr val="212121"/>
+              <a:rPr lang="en-US" sz="1400" b="1" dirty="0" smtClean="0">
+                <a:solidFill>
+                  <a:srgbClr val="C00000"/>
                 </a:solidFill>
                 <a:latin typeface="Tahoma"/>
                 <a:cs typeface="Tahoma"/>
@@ -19027,9 +19269,9 @@
               <a:t> Funds:</a:t>
             </a:r>
             <a:r>
-              <a:rPr lang="en-US" sz="1400" spc="85" dirty="0" smtClean="0">
-                <a:solidFill>
-                  <a:srgbClr val="212121"/>
+              <a:rPr lang="en-US" sz="1400" b="1" spc="85" dirty="0" smtClean="0">
+                <a:solidFill>
+                  <a:srgbClr val="C00000"/>
                 </a:solidFill>
                 <a:latin typeface="Tahoma"/>
                 <a:cs typeface="Tahoma"/>
@@ -19037,9 +19279,9 @@
               <a:t> </a:t>
             </a:r>
             <a:r>
-              <a:rPr lang="en-US" sz="1400" spc="-10" dirty="0" smtClean="0">
-                <a:solidFill>
-                  <a:srgbClr val="212121"/>
+              <a:rPr lang="en-US" sz="1400" b="1" spc="-10" dirty="0" smtClean="0">
+                <a:solidFill>
+                  <a:srgbClr val="C00000"/>
                 </a:solidFill>
                 <a:latin typeface="Tahoma"/>
                 <a:cs typeface="Tahoma"/>
@@ -19047,9 +19289,9 @@
               <a:t>Invest</a:t>
             </a:r>
             <a:r>
-              <a:rPr lang="en-US" sz="1400" spc="20" dirty="0" smtClean="0">
-                <a:solidFill>
-                  <a:srgbClr val="212121"/>
+              <a:rPr lang="en-US" sz="1400" b="1" spc="20" dirty="0" smtClean="0">
+                <a:solidFill>
+                  <a:srgbClr val="C00000"/>
                 </a:solidFill>
                 <a:latin typeface="Tahoma"/>
                 <a:cs typeface="Tahoma"/>
@@ -19057,9 +19299,9 @@
               <a:t> </a:t>
             </a:r>
             <a:r>
-              <a:rPr lang="en-US" sz="1400" dirty="0" smtClean="0">
-                <a:solidFill>
-                  <a:srgbClr val="212121"/>
+              <a:rPr lang="en-US" sz="1400" b="1" dirty="0" smtClean="0">
+                <a:solidFill>
+                  <a:srgbClr val="C00000"/>
                 </a:solidFill>
                 <a:latin typeface="Tahoma"/>
                 <a:cs typeface="Tahoma"/>
@@ -19067,9 +19309,9 @@
               <a:t>in</a:t>
             </a:r>
             <a:r>
-              <a:rPr lang="en-US" sz="1400" spc="10" dirty="0" smtClean="0">
-                <a:solidFill>
-                  <a:srgbClr val="212121"/>
+              <a:rPr lang="en-US" sz="1400" b="1" spc="10" dirty="0" smtClean="0">
+                <a:solidFill>
+                  <a:srgbClr val="C00000"/>
                 </a:solidFill>
                 <a:latin typeface="Tahoma"/>
                 <a:cs typeface="Tahoma"/>
@@ -19077,9 +19319,9 @@
               <a:t> </a:t>
             </a:r>
             <a:r>
-              <a:rPr lang="en-US" sz="1400" spc="50" dirty="0" smtClean="0">
-                <a:solidFill>
-                  <a:srgbClr val="212121"/>
+              <a:rPr lang="en-US" sz="1400" b="1" spc="50" dirty="0" smtClean="0">
+                <a:solidFill>
+                  <a:srgbClr val="C00000"/>
                 </a:solidFill>
                 <a:latin typeface="Tahoma"/>
                 <a:cs typeface="Tahoma"/>
@@ -19087,9 +19329,9 @@
               <a:t>companies</a:t>
             </a:r>
             <a:r>
-              <a:rPr lang="en-US" sz="1400" spc="25" dirty="0" smtClean="0">
-                <a:solidFill>
-                  <a:srgbClr val="212121"/>
+              <a:rPr lang="en-US" sz="1400" b="1" spc="25" dirty="0" smtClean="0">
+                <a:solidFill>
+                  <a:srgbClr val="C00000"/>
                 </a:solidFill>
                 <a:latin typeface="Tahoma"/>
                 <a:cs typeface="Tahoma"/>
@@ -19097,9 +19339,9 @@
               <a:t> </a:t>
             </a:r>
             <a:r>
-              <a:rPr lang="en-US" sz="1400" dirty="0" smtClean="0">
-                <a:solidFill>
-                  <a:srgbClr val="212121"/>
+              <a:rPr lang="en-US" sz="1400" b="1" dirty="0" smtClean="0">
+                <a:solidFill>
+                  <a:srgbClr val="C00000"/>
                 </a:solidFill>
                 <a:latin typeface="Tahoma"/>
                 <a:cs typeface="Tahoma"/>
@@ -19107,9 +19349,9 @@
               <a:t>with</a:t>
             </a:r>
             <a:r>
-              <a:rPr lang="en-US" sz="1400" spc="10" dirty="0" smtClean="0">
-                <a:solidFill>
-                  <a:srgbClr val="212121"/>
+              <a:rPr lang="en-US" sz="1400" b="1" spc="10" dirty="0" smtClean="0">
+                <a:solidFill>
+                  <a:srgbClr val="C00000"/>
                 </a:solidFill>
                 <a:latin typeface="Tahoma"/>
                 <a:cs typeface="Tahoma"/>
@@ -19117,9 +19359,9 @@
               <a:t> </a:t>
             </a:r>
             <a:r>
-              <a:rPr lang="en-US" sz="1400" dirty="0" smtClean="0">
-                <a:solidFill>
-                  <a:srgbClr val="212121"/>
+              <a:rPr lang="en-US" sz="1400" b="1" dirty="0" smtClean="0">
+                <a:solidFill>
+                  <a:srgbClr val="C00000"/>
                 </a:solidFill>
                 <a:latin typeface="Tahoma"/>
                 <a:cs typeface="Tahoma"/>
@@ -19127,9 +19369,9 @@
               <a:t>medium</a:t>
             </a:r>
             <a:r>
-              <a:rPr lang="en-US" sz="1400" spc="20" dirty="0" smtClean="0">
-                <a:solidFill>
-                  <a:srgbClr val="212121"/>
+              <a:rPr lang="en-US" sz="1400" b="1" spc="20" dirty="0" smtClean="0">
+                <a:solidFill>
+                  <a:srgbClr val="C00000"/>
                 </a:solidFill>
                 <a:latin typeface="Tahoma"/>
                 <a:cs typeface="Tahoma"/>
@@ -19137,9 +19379,9 @@
               <a:t> </a:t>
             </a:r>
             <a:r>
-              <a:rPr lang="en-US" sz="1400" dirty="0" smtClean="0">
-                <a:solidFill>
-                  <a:srgbClr val="212121"/>
+              <a:rPr lang="en-US" sz="1400" b="1" dirty="0" smtClean="0">
+                <a:solidFill>
+                  <a:srgbClr val="C00000"/>
                 </a:solidFill>
                 <a:latin typeface="Tahoma"/>
                 <a:cs typeface="Tahoma"/>
@@ -19147,9 +19389,9 @@
               <a:t>market</a:t>
             </a:r>
             <a:r>
-              <a:rPr lang="en-US" sz="1400" spc="15" dirty="0" smtClean="0">
-                <a:solidFill>
-                  <a:srgbClr val="212121"/>
+              <a:rPr lang="en-US" sz="1400" b="1" spc="15" dirty="0" smtClean="0">
+                <a:solidFill>
+                  <a:srgbClr val="C00000"/>
                 </a:solidFill>
                 <a:latin typeface="Tahoma"/>
                 <a:cs typeface="Tahoma"/>
@@ -19157,16 +19399,19 @@
               <a:t> </a:t>
             </a:r>
             <a:r>
-              <a:rPr lang="en-US" sz="1400" spc="-10" dirty="0" smtClean="0">
-                <a:solidFill>
-                  <a:srgbClr val="212121"/>
+              <a:rPr lang="en-US" sz="1400" b="1" spc="-10" dirty="0" smtClean="0">
+                <a:solidFill>
+                  <a:srgbClr val="C00000"/>
                 </a:solidFill>
                 <a:latin typeface="Tahoma"/>
                 <a:cs typeface="Tahoma"/>
               </a:rPr>
               <a:t>capitalization.</a:t>
             </a:r>
-            <a:endParaRPr lang="en-US" sz="1400" dirty="0" smtClean="0">
+            <a:endParaRPr lang="en-US" sz="1400" b="1" dirty="0" smtClean="0">
+              <a:solidFill>
+                <a:srgbClr val="C00000"/>
+              </a:solidFill>
               <a:latin typeface="Tahoma"/>
               <a:cs typeface="Tahoma"/>
             </a:endParaRPr>
@@ -19185,9 +19430,9 @@
               </a:tabLst>
             </a:pPr>
             <a:r>
-              <a:rPr lang="en-US" sz="1400" dirty="0" smtClean="0">
-                <a:solidFill>
-                  <a:srgbClr val="212121"/>
+              <a:rPr lang="en-US" sz="1400" b="1" dirty="0" smtClean="0">
+                <a:solidFill>
+                  <a:srgbClr val="C00000"/>
                 </a:solidFill>
                 <a:latin typeface="Tahoma"/>
                 <a:cs typeface="Tahoma"/>
@@ -19195,9 +19440,9 @@
               <a:t>Small</a:t>
             </a:r>
             <a:r>
-              <a:rPr lang="en-US" sz="1400" spc="-15" dirty="0" smtClean="0">
-                <a:solidFill>
-                  <a:srgbClr val="212121"/>
+              <a:rPr lang="en-US" sz="1400" b="1" spc="-15" dirty="0" smtClean="0">
+                <a:solidFill>
+                  <a:srgbClr val="C00000"/>
                 </a:solidFill>
                 <a:latin typeface="Tahoma"/>
                 <a:cs typeface="Tahoma"/>
@@ -19205,9 +19450,9 @@
               <a:t> </a:t>
             </a:r>
             <a:r>
-              <a:rPr lang="en-US" sz="1400" spc="70" dirty="0" smtClean="0">
-                <a:solidFill>
-                  <a:srgbClr val="212121"/>
+              <a:rPr lang="en-US" sz="1400" b="1" spc="70" dirty="0" smtClean="0">
+                <a:solidFill>
+                  <a:srgbClr val="C00000"/>
                 </a:solidFill>
                 <a:latin typeface="Tahoma"/>
                 <a:cs typeface="Tahoma"/>
@@ -19215,9 +19460,9 @@
               <a:t>Cap</a:t>
             </a:r>
             <a:r>
-              <a:rPr lang="en-US" sz="1400" spc="-15" dirty="0" smtClean="0">
-                <a:solidFill>
-                  <a:srgbClr val="212121"/>
+              <a:rPr lang="en-US" sz="1400" b="1" spc="-15" dirty="0" smtClean="0">
+                <a:solidFill>
+                  <a:srgbClr val="C00000"/>
                 </a:solidFill>
                 <a:latin typeface="Tahoma"/>
                 <a:cs typeface="Tahoma"/>
@@ -19225,9 +19470,9 @@
               <a:t> </a:t>
             </a:r>
             <a:r>
-              <a:rPr lang="en-US" sz="1400" dirty="0" smtClean="0">
-                <a:solidFill>
-                  <a:srgbClr val="212121"/>
+              <a:rPr lang="en-US" sz="1400" b="1" dirty="0" smtClean="0">
+                <a:solidFill>
+                  <a:srgbClr val="C00000"/>
                 </a:solidFill>
                 <a:latin typeface="Tahoma"/>
                 <a:cs typeface="Tahoma"/>
@@ -19235,9 +19480,9 @@
               <a:t>Funds:</a:t>
             </a:r>
             <a:r>
-              <a:rPr lang="en-US" sz="1400" spc="70" dirty="0" smtClean="0">
-                <a:solidFill>
-                  <a:srgbClr val="212121"/>
+              <a:rPr lang="en-US" sz="1400" b="1" spc="70" dirty="0" smtClean="0">
+                <a:solidFill>
+                  <a:srgbClr val="C00000"/>
                 </a:solidFill>
                 <a:latin typeface="Tahoma"/>
                 <a:cs typeface="Tahoma"/>
@@ -19245,9 +19490,9 @@
               <a:t> </a:t>
             </a:r>
             <a:r>
-              <a:rPr lang="en-US" sz="1400" spc="-10" dirty="0" smtClean="0">
-                <a:solidFill>
-                  <a:srgbClr val="212121"/>
+              <a:rPr lang="en-US" sz="1400" b="1" spc="-10" dirty="0" smtClean="0">
+                <a:solidFill>
+                  <a:srgbClr val="C00000"/>
                 </a:solidFill>
                 <a:latin typeface="Tahoma"/>
                 <a:cs typeface="Tahoma"/>
@@ -19255,9 +19500,9 @@
               <a:t>Invest</a:t>
             </a:r>
             <a:r>
-              <a:rPr lang="en-US" sz="1400" dirty="0" smtClean="0">
-                <a:solidFill>
-                  <a:srgbClr val="212121"/>
+              <a:rPr lang="en-US" sz="1400" b="1" dirty="0" smtClean="0">
+                <a:solidFill>
+                  <a:srgbClr val="C00000"/>
                 </a:solidFill>
                 <a:latin typeface="Tahoma"/>
                 <a:cs typeface="Tahoma"/>
@@ -19265,9 +19510,9 @@
               <a:t> in </a:t>
             </a:r>
             <a:r>
-              <a:rPr lang="en-US" sz="1400" spc="50" dirty="0" smtClean="0">
-                <a:solidFill>
-                  <a:srgbClr val="212121"/>
+              <a:rPr lang="en-US" sz="1400" b="1" spc="50" dirty="0" smtClean="0">
+                <a:solidFill>
+                  <a:srgbClr val="C00000"/>
                 </a:solidFill>
                 <a:latin typeface="Tahoma"/>
                 <a:cs typeface="Tahoma"/>
@@ -19275,9 +19520,9 @@
               <a:t>companies</a:t>
             </a:r>
             <a:r>
-              <a:rPr lang="en-US" sz="1400" spc="5" dirty="0" smtClean="0">
-                <a:solidFill>
-                  <a:srgbClr val="212121"/>
+              <a:rPr lang="en-US" sz="1400" b="1" spc="5" dirty="0" smtClean="0">
+                <a:solidFill>
+                  <a:srgbClr val="C00000"/>
                 </a:solidFill>
                 <a:latin typeface="Tahoma"/>
                 <a:cs typeface="Tahoma"/>
@@ -19285,9 +19530,9 @@
               <a:t> </a:t>
             </a:r>
             <a:r>
-              <a:rPr lang="en-US" sz="1400" dirty="0" smtClean="0">
-                <a:solidFill>
-                  <a:srgbClr val="212121"/>
+              <a:rPr lang="en-US" sz="1400" b="1" dirty="0" smtClean="0">
+                <a:solidFill>
+                  <a:srgbClr val="C00000"/>
                 </a:solidFill>
                 <a:latin typeface="Tahoma"/>
                 <a:cs typeface="Tahoma"/>
@@ -19295,9 +19540,9 @@
               <a:t>with</a:t>
             </a:r>
             <a:r>
-              <a:rPr lang="en-US" sz="1400" spc="-5" dirty="0" smtClean="0">
-                <a:solidFill>
-                  <a:srgbClr val="212121"/>
+              <a:rPr lang="en-US" sz="1400" b="1" spc="-5" dirty="0" smtClean="0">
+                <a:solidFill>
+                  <a:srgbClr val="C00000"/>
                 </a:solidFill>
                 <a:latin typeface="Tahoma"/>
                 <a:cs typeface="Tahoma"/>
@@ -19305,9 +19550,9 @@
               <a:t> </a:t>
             </a:r>
             <a:r>
-              <a:rPr lang="en-US" sz="1400" dirty="0" smtClean="0">
-                <a:solidFill>
-                  <a:srgbClr val="212121"/>
+              <a:rPr lang="en-US" sz="1400" b="1" dirty="0" smtClean="0">
+                <a:solidFill>
+                  <a:srgbClr val="C00000"/>
                 </a:solidFill>
                 <a:latin typeface="Tahoma"/>
                 <a:cs typeface="Tahoma"/>
@@ -19315,9 +19560,9 @@
               <a:t>small</a:t>
             </a:r>
             <a:r>
-              <a:rPr lang="en-US" sz="1400" spc="5" dirty="0" smtClean="0">
-                <a:solidFill>
-                  <a:srgbClr val="212121"/>
+              <a:rPr lang="en-US" sz="1400" b="1" spc="5" dirty="0" smtClean="0">
+                <a:solidFill>
+                  <a:srgbClr val="C00000"/>
                 </a:solidFill>
                 <a:latin typeface="Tahoma"/>
                 <a:cs typeface="Tahoma"/>
@@ -19325,9 +19570,9 @@
               <a:t> </a:t>
             </a:r>
             <a:r>
-              <a:rPr lang="en-US" sz="1400" dirty="0" smtClean="0">
-                <a:solidFill>
-                  <a:srgbClr val="212121"/>
+              <a:rPr lang="en-US" sz="1400" b="1" dirty="0" smtClean="0">
+                <a:solidFill>
+                  <a:srgbClr val="C00000"/>
                 </a:solidFill>
                 <a:latin typeface="Tahoma"/>
                 <a:cs typeface="Tahoma"/>
@@ -19335,16 +19580,19 @@
               <a:t>market </a:t>
             </a:r>
             <a:r>
-              <a:rPr lang="en-US" sz="1400" spc="-10" dirty="0" smtClean="0">
-                <a:solidFill>
-                  <a:srgbClr val="212121"/>
+              <a:rPr lang="en-US" sz="1400" b="1" spc="-10" dirty="0" smtClean="0">
+                <a:solidFill>
+                  <a:srgbClr val="C00000"/>
                 </a:solidFill>
                 <a:latin typeface="Tahoma"/>
                 <a:cs typeface="Tahoma"/>
               </a:rPr>
               <a:t>capitalization.</a:t>
             </a:r>
-            <a:endParaRPr lang="en-US" sz="1400" dirty="0" smtClean="0">
+            <a:endParaRPr lang="en-US" sz="1400" b="1" dirty="0" smtClean="0">
+              <a:solidFill>
+                <a:srgbClr val="C00000"/>
+              </a:solidFill>
               <a:latin typeface="Tahoma"/>
               <a:cs typeface="Tahoma"/>
             </a:endParaRPr>
@@ -19935,7 +20183,7 @@
         </p:nvSpPr>
         <p:spPr>
           <a:xfrm>
-            <a:off x="1086698" y="2580270"/>
+            <a:off x="456945" y="2566848"/>
             <a:ext cx="6096000" cy="1036181"/>
           </a:xfrm>
           <a:prstGeom prst="rect">
@@ -19948,27 +20196,36 @@
           </a:bodyPr>
           <a:lstStyle/>
           <a:p>
-            <a:pPr marL="202565" indent="-189865">
+            <a:pPr marL="12700">
               <a:lnSpc>
                 <a:spcPct val="100000"/>
               </a:lnSpc>
               <a:spcBef>
                 <a:spcPts val="215"/>
               </a:spcBef>
-              <a:buChar char="•"/>
               <a:tabLst>
                 <a:tab pos="202565" algn="l"/>
               </a:tabLst>
             </a:pPr>
             <a:r>
-              <a:rPr lang="en-US" sz="1600" b="1" dirty="0">
+              <a:rPr lang="en-US" sz="1600" b="1" dirty="0" smtClean="0">
                 <a:solidFill>
                   <a:srgbClr val="212121"/>
                 </a:solidFill>
                 <a:latin typeface="Tahoma"/>
                 <a:cs typeface="Tahoma"/>
               </a:rPr>
-              <a:t>Debt Funds: </a:t>
+              <a:t>Debt </a:t>
+            </a:r>
+            <a:r>
+              <a:rPr lang="en-US" sz="1600" b="1" dirty="0">
+                <a:solidFill>
+                  <a:srgbClr val="212121"/>
+                </a:solidFill>
+                <a:latin typeface="Tahoma"/>
+                <a:cs typeface="Tahoma"/>
+              </a:rPr>
+              <a:t>Funds: </a:t>
             </a:r>
             <a:r>
               <a:rPr lang="en-US" sz="1400" spc="-10" dirty="0">
@@ -20015,7 +20272,7 @@
         </p:nvSpPr>
         <p:spPr>
           <a:xfrm>
-            <a:off x="1086698" y="3748678"/>
+            <a:off x="456945" y="3736309"/>
             <a:ext cx="6096000" cy="1190069"/>
           </a:xfrm>
           <a:prstGeom prst="rect">
@@ -20028,14 +20285,13 @@
           </a:bodyPr>
           <a:lstStyle/>
           <a:p>
-            <a:pPr marL="202565" marR="376555" indent="-190500">
+            <a:pPr marL="12065" marR="376555">
               <a:lnSpc>
                 <a:spcPts val="2490"/>
               </a:lnSpc>
               <a:spcBef>
                 <a:spcPts val="85"/>
               </a:spcBef>
-              <a:buChar char="•"/>
               <a:tabLst>
                 <a:tab pos="202565" algn="l"/>
               </a:tabLst>
@@ -20095,7 +20351,7 @@
         </p:nvSpPr>
         <p:spPr>
           <a:xfrm>
-            <a:off x="1086698" y="5080528"/>
+            <a:off x="456945" y="5088890"/>
             <a:ext cx="6096000" cy="1405513"/>
           </a:xfrm>
           <a:prstGeom prst="rect">
@@ -20108,14 +20364,13 @@
           </a:bodyPr>
           <a:lstStyle/>
           <a:p>
-            <a:pPr marL="202565" indent="-189865">
+            <a:pPr marL="12700">
               <a:lnSpc>
                 <a:spcPct val="100000"/>
               </a:lnSpc>
               <a:spcBef>
                 <a:spcPts val="215"/>
               </a:spcBef>
-              <a:buChar char="•"/>
               <a:tabLst>
                 <a:tab pos="202565" algn="l"/>
               </a:tabLst>
@@ -20173,14 +20428,13 @@
             </a:endParaRPr>
           </a:p>
           <a:p>
-            <a:pPr marL="202565" indent="-189865">
+            <a:pPr marL="12700">
               <a:lnSpc>
                 <a:spcPct val="100000"/>
               </a:lnSpc>
               <a:spcBef>
                 <a:spcPts val="215"/>
               </a:spcBef>
-              <a:buChar char="•"/>
               <a:tabLst>
                 <a:tab pos="202565" algn="l"/>
               </a:tabLst>
@@ -29890,7 +30144,7 @@
         </p:nvSpPr>
         <p:spPr>
           <a:xfrm>
-            <a:off x="4038600" y="104040"/>
+            <a:off x="4244662" y="286673"/>
             <a:ext cx="2790764" cy="461665"/>
           </a:xfrm>
           <a:prstGeom prst="rect">
@@ -30863,7 +31117,7 @@
           <p:nvPr>
             <p:extLst>
               <p:ext uri="{D42A27DB-BD31-4B8C-83A1-F6EECF244321}">
-                <p14:modId xmlns:p14="http://schemas.microsoft.com/office/powerpoint/2010/main" val="2684755778"/>
+                <p14:modId xmlns:p14="http://schemas.microsoft.com/office/powerpoint/2010/main" val="556940206"/>
               </p:ext>
             </p:extLst>
           </p:nvPr>
@@ -31055,6 +31309,12 @@
                     <a:lnB>
                       <a:noFill/>
                     </a:lnB>
+                    <a:solidFill>
+                      <a:schemeClr val="accent6">
+                        <a:lumMod val="40000"/>
+                        <a:lumOff val="60000"/>
+                      </a:schemeClr>
+                    </a:solidFill>
                   </a:tcPr>
                 </a:tc>
                 <a:tc>
@@ -31063,7 +31323,7 @@
                     <a:lstStyle/>
                     <a:p>
                       <a:r>
-                        <a:rPr lang="en-IN"/>
+                        <a:rPr lang="en-IN" dirty="0"/>
                         <a:t>Invest monthly</a:t>
                       </a:r>
                     </a:p>
@@ -31081,6 +31341,12 @@
                     <a:lnB>
                       <a:noFill/>
                     </a:lnB>
+                    <a:solidFill>
+                      <a:schemeClr val="accent6">
+                        <a:lumMod val="40000"/>
+                        <a:lumOff val="60000"/>
+                      </a:schemeClr>
+                    </a:solidFill>
                   </a:tcPr>
                 </a:tc>
                 <a:tc>
@@ -31089,7 +31355,7 @@
                     <a:lstStyle/>
                     <a:p>
                       <a:r>
-                        <a:rPr lang="en-IN"/>
+                        <a:rPr lang="en-IN" dirty="0"/>
                         <a:t>Rupee-cost averaging</a:t>
                       </a:r>
                     </a:p>
@@ -31107,6 +31373,12 @@
                     <a:lnB>
                       <a:noFill/>
                     </a:lnB>
+                    <a:solidFill>
+                      <a:schemeClr val="accent6">
+                        <a:lumMod val="40000"/>
+                        <a:lumOff val="60000"/>
+                      </a:schemeClr>
+                    </a:solidFill>
                   </a:tcPr>
                 </a:tc>
                 <a:tc>
@@ -31138,6 +31410,12 @@
                     <a:lnB>
                       <a:noFill/>
                     </a:lnB>
+                    <a:solidFill>
+                      <a:schemeClr val="accent6">
+                        <a:lumMod val="40000"/>
+                        <a:lumOff val="60000"/>
+                      </a:schemeClr>
+                    </a:solidFill>
                   </a:tcPr>
                 </a:tc>
               </a:tr>
